--- a/graduation_thesis/figures/c4/c4p2.pptx
+++ b/graduation_thesis/figures/c4/c4p2.pptx
@@ -1,14 +1,14 @@
 
 <file path=ppt/presentation.xml><?xml version="1.0" encoding="utf-8"?>
-<p:presentation xmlns:a="http://schemas.openxmlformats.org/drawingml/2006/main" xmlns:r="http://schemas.openxmlformats.org/officeDocument/2006/relationships" xmlns:p="http://schemas.openxmlformats.org/presentationml/2006/main" saveSubsetFonts="1">
+<p:presentation xmlns:a="http://schemas.openxmlformats.org/drawingml/2006/main" xmlns:r="http://schemas.openxmlformats.org/officeDocument/2006/relationships" xmlns:p="http://schemas.openxmlformats.org/presentationml/2006/main">
   <p:sldMasterIdLst>
     <p:sldMasterId id="2147483648" r:id="rId1"/>
   </p:sldMasterIdLst>
   <p:sldIdLst>
-    <p:sldId id="256" r:id="rId2"/>
-    <p:sldId id="257" r:id="rId3"/>
-    <p:sldId id="258" r:id="rId4"/>
-    <p:sldId id="259" r:id="rId5"/>
+    <p:sldId id="256" r:id="rId3"/>
+    <p:sldId id="257" r:id="rId4"/>
+    <p:sldId id="258" r:id="rId5"/>
+    <p:sldId id="259" r:id="rId6"/>
   </p:sldIdLst>
   <p:sldSz cx="12192000" cy="6858000"/>
   <p:notesSz cx="6858000" cy="9144000"/>
@@ -107,11 +107,6 @@
       </a:defRPr>
     </a:lvl9pPr>
   </p:defaultTextStyle>
-  <p:extLst>
-    <p:ext uri="{EFAFB233-063F-42B5-8137-9DF3F51BA10A}">
-      <p15:sldGuideLst xmlns:p15="http://schemas.microsoft.com/office/powerpoint/2012/main"/>
-    </p:ext>
-  </p:extLst>
 </p:presentation>
 </file>
 
@@ -134,13 +129,7 @@
       </p:grpSpPr>
       <p:sp>
         <p:nvSpPr>
-          <p:cNvPr id="2" name="标题 1">
-            <a:extLst>
-              <a:ext uri="{FF2B5EF4-FFF2-40B4-BE49-F238E27FC236}">
-                <a16:creationId xmlns:a16="http://schemas.microsoft.com/office/drawing/2014/main" id="{BF37D6CA-6E5A-4000-BE69-2E9F0F9B0904}"/>
-              </a:ext>
-            </a:extLst>
-          </p:cNvPr>
+          <p:cNvPr id="2" name="标题 1"/>
           <p:cNvSpPr>
             <a:spLocks noGrp="1"/>
           </p:cNvSpPr>
@@ -166,18 +155,13 @@
               <a:rPr lang="zh-CN" altLang="en-US"/>
               <a:t>单击此处编辑母版标题样式</a:t>
             </a:r>
-          </a:p>
-        </p:txBody>
-      </p:sp>
-      <p:sp>
-        <p:nvSpPr>
-          <p:cNvPr id="3" name="副标题 2">
-            <a:extLst>
-              <a:ext uri="{FF2B5EF4-FFF2-40B4-BE49-F238E27FC236}">
-                <a16:creationId xmlns:a16="http://schemas.microsoft.com/office/drawing/2014/main" id="{220B4650-9C5F-46C7-BE15-660DDDF1F574}"/>
-              </a:ext>
-            </a:extLst>
-          </p:cNvPr>
+            <a:endParaRPr lang="zh-CN" altLang="en-US"/>
+          </a:p>
+        </p:txBody>
+      </p:sp>
+      <p:sp>
+        <p:nvSpPr>
+          <p:cNvPr id="3" name="副标题 2"/>
           <p:cNvSpPr>
             <a:spLocks noGrp="1"/>
           </p:cNvSpPr>
@@ -236,18 +220,13 @@
               <a:rPr lang="zh-CN" altLang="en-US"/>
               <a:t>单击此处编辑母版副标题样式</a:t>
             </a:r>
-          </a:p>
-        </p:txBody>
-      </p:sp>
-      <p:sp>
-        <p:nvSpPr>
-          <p:cNvPr id="4" name="日期占位符 3">
-            <a:extLst>
-              <a:ext uri="{FF2B5EF4-FFF2-40B4-BE49-F238E27FC236}">
-                <a16:creationId xmlns:a16="http://schemas.microsoft.com/office/drawing/2014/main" id="{017514FF-B830-4FF2-8881-0952F7186DE8}"/>
-              </a:ext>
-            </a:extLst>
-          </p:cNvPr>
+            <a:endParaRPr lang="zh-CN" altLang="en-US"/>
+          </a:p>
+        </p:txBody>
+      </p:sp>
+      <p:sp>
+        <p:nvSpPr>
+          <p:cNvPr id="4" name="日期占位符 3"/>
           <p:cNvSpPr>
             <a:spLocks noGrp="1"/>
           </p:cNvSpPr>
@@ -262,7 +241,6 @@
           <a:p>
             <a:fld id="{648283BF-D07E-4268-AD41-E2A23B7C6AA4}" type="datetimeFigureOut">
               <a:rPr lang="zh-CN" altLang="en-US" smtClean="0"/>
-              <a:t>2020/5/12</a:t>
             </a:fld>
             <a:endParaRPr lang="zh-CN" altLang="en-US"/>
           </a:p>
@@ -270,13 +248,7 @@
       </p:sp>
       <p:sp>
         <p:nvSpPr>
-          <p:cNvPr id="5" name="页脚占位符 4">
-            <a:extLst>
-              <a:ext uri="{FF2B5EF4-FFF2-40B4-BE49-F238E27FC236}">
-                <a16:creationId xmlns:a16="http://schemas.microsoft.com/office/drawing/2014/main" id="{21BA1E64-A776-4CE6-8C72-7B31A1A4B667}"/>
-              </a:ext>
-            </a:extLst>
-          </p:cNvPr>
+          <p:cNvPr id="5" name="页脚占位符 4"/>
           <p:cNvSpPr>
             <a:spLocks noGrp="1"/>
           </p:cNvSpPr>
@@ -295,13 +267,7 @@
       </p:sp>
       <p:sp>
         <p:nvSpPr>
-          <p:cNvPr id="6" name="灯片编号占位符 5">
-            <a:extLst>
-              <a:ext uri="{FF2B5EF4-FFF2-40B4-BE49-F238E27FC236}">
-                <a16:creationId xmlns:a16="http://schemas.microsoft.com/office/drawing/2014/main" id="{6941CEA9-98D8-4D43-8BC7-B82C14D69D89}"/>
-              </a:ext>
-            </a:extLst>
-          </p:cNvPr>
+          <p:cNvPr id="6" name="灯片编号占位符 5"/>
           <p:cNvSpPr>
             <a:spLocks noGrp="1"/>
           </p:cNvSpPr>
@@ -316,18 +282,12 @@
           <a:p>
             <a:fld id="{D850DF63-7A21-4723-B08D-05FB12BE7CA6}" type="slidenum">
               <a:rPr lang="zh-CN" altLang="en-US" smtClean="0"/>
-              <a:t>‹#›</a:t>
             </a:fld>
             <a:endParaRPr lang="zh-CN" altLang="en-US"/>
           </a:p>
         </p:txBody>
       </p:sp>
     </p:spTree>
-    <p:extLst>
-      <p:ext uri="{BB962C8B-B14F-4D97-AF65-F5344CB8AC3E}">
-        <p14:creationId xmlns:p14="http://schemas.microsoft.com/office/powerpoint/2010/main" val="1835511183"/>
-      </p:ext>
-    </p:extLst>
   </p:cSld>
   <p:clrMapOvr>
     <a:masterClrMapping/>
@@ -354,13 +314,7 @@
       </p:grpSpPr>
       <p:sp>
         <p:nvSpPr>
-          <p:cNvPr id="2" name="标题 1">
-            <a:extLst>
-              <a:ext uri="{FF2B5EF4-FFF2-40B4-BE49-F238E27FC236}">
-                <a16:creationId xmlns:a16="http://schemas.microsoft.com/office/drawing/2014/main" id="{001F9358-7FE9-4E1A-81D2-7C9E8ADC93F1}"/>
-              </a:ext>
-            </a:extLst>
-          </p:cNvPr>
+          <p:cNvPr id="2" name="标题 1"/>
           <p:cNvSpPr>
             <a:spLocks noGrp="1"/>
           </p:cNvSpPr>
@@ -377,18 +331,13 @@
               <a:rPr lang="zh-CN" altLang="en-US"/>
               <a:t>单击此处编辑母版标题样式</a:t>
             </a:r>
-          </a:p>
-        </p:txBody>
-      </p:sp>
-      <p:sp>
-        <p:nvSpPr>
-          <p:cNvPr id="3" name="竖排文字占位符 2">
-            <a:extLst>
-              <a:ext uri="{FF2B5EF4-FFF2-40B4-BE49-F238E27FC236}">
-                <a16:creationId xmlns:a16="http://schemas.microsoft.com/office/drawing/2014/main" id="{00CE6B62-F895-407D-8C36-C57A916B97C9}"/>
-              </a:ext>
-            </a:extLst>
-          </p:cNvPr>
+            <a:endParaRPr lang="zh-CN" altLang="en-US"/>
+          </a:p>
+        </p:txBody>
+      </p:sp>
+      <p:sp>
+        <p:nvSpPr>
+          <p:cNvPr id="3" name="竖排文字占位符 2"/>
           <p:cNvSpPr>
             <a:spLocks noGrp="1"/>
           </p:cNvSpPr>
@@ -406,6 +355,7 @@
               <a:rPr lang="zh-CN" altLang="en-US"/>
               <a:t>单击此处编辑母版文本样式</a:t>
             </a:r>
+            <a:endParaRPr lang="zh-CN" altLang="en-US"/>
           </a:p>
           <a:p>
             <a:pPr lvl="1"/>
@@ -413,6 +363,7 @@
               <a:rPr lang="zh-CN" altLang="en-US"/>
               <a:t>二级</a:t>
             </a:r>
+            <a:endParaRPr lang="zh-CN" altLang="en-US"/>
           </a:p>
           <a:p>
             <a:pPr lvl="2"/>
@@ -420,6 +371,7 @@
               <a:rPr lang="zh-CN" altLang="en-US"/>
               <a:t>三级</a:t>
             </a:r>
+            <a:endParaRPr lang="zh-CN" altLang="en-US"/>
           </a:p>
           <a:p>
             <a:pPr lvl="3"/>
@@ -427,6 +379,7 @@
               <a:rPr lang="zh-CN" altLang="en-US"/>
               <a:t>四级</a:t>
             </a:r>
+            <a:endParaRPr lang="zh-CN" altLang="en-US"/>
           </a:p>
           <a:p>
             <a:pPr lvl="4"/>
@@ -434,18 +387,13 @@
               <a:rPr lang="zh-CN" altLang="en-US"/>
               <a:t>五级</a:t>
             </a:r>
-          </a:p>
-        </p:txBody>
-      </p:sp>
-      <p:sp>
-        <p:nvSpPr>
-          <p:cNvPr id="4" name="日期占位符 3">
-            <a:extLst>
-              <a:ext uri="{FF2B5EF4-FFF2-40B4-BE49-F238E27FC236}">
-                <a16:creationId xmlns:a16="http://schemas.microsoft.com/office/drawing/2014/main" id="{0E1E4823-2D7F-4A66-AFFC-832DF62D473C}"/>
-              </a:ext>
-            </a:extLst>
-          </p:cNvPr>
+            <a:endParaRPr lang="zh-CN" altLang="en-US"/>
+          </a:p>
+        </p:txBody>
+      </p:sp>
+      <p:sp>
+        <p:nvSpPr>
+          <p:cNvPr id="4" name="日期占位符 3"/>
           <p:cNvSpPr>
             <a:spLocks noGrp="1"/>
           </p:cNvSpPr>
@@ -460,7 +408,6 @@
           <a:p>
             <a:fld id="{648283BF-D07E-4268-AD41-E2A23B7C6AA4}" type="datetimeFigureOut">
               <a:rPr lang="zh-CN" altLang="en-US" smtClean="0"/>
-              <a:t>2020/5/12</a:t>
             </a:fld>
             <a:endParaRPr lang="zh-CN" altLang="en-US"/>
           </a:p>
@@ -468,13 +415,7 @@
       </p:sp>
       <p:sp>
         <p:nvSpPr>
-          <p:cNvPr id="5" name="页脚占位符 4">
-            <a:extLst>
-              <a:ext uri="{FF2B5EF4-FFF2-40B4-BE49-F238E27FC236}">
-                <a16:creationId xmlns:a16="http://schemas.microsoft.com/office/drawing/2014/main" id="{76B034B3-715B-4899-A98F-323801B28896}"/>
-              </a:ext>
-            </a:extLst>
-          </p:cNvPr>
+          <p:cNvPr id="5" name="页脚占位符 4"/>
           <p:cNvSpPr>
             <a:spLocks noGrp="1"/>
           </p:cNvSpPr>
@@ -493,13 +434,7 @@
       </p:sp>
       <p:sp>
         <p:nvSpPr>
-          <p:cNvPr id="6" name="灯片编号占位符 5">
-            <a:extLst>
-              <a:ext uri="{FF2B5EF4-FFF2-40B4-BE49-F238E27FC236}">
-                <a16:creationId xmlns:a16="http://schemas.microsoft.com/office/drawing/2014/main" id="{9CCDF780-4F9A-493A-8975-3E3C2D967502}"/>
-              </a:ext>
-            </a:extLst>
-          </p:cNvPr>
+          <p:cNvPr id="6" name="灯片编号占位符 5"/>
           <p:cNvSpPr>
             <a:spLocks noGrp="1"/>
           </p:cNvSpPr>
@@ -514,18 +449,12 @@
           <a:p>
             <a:fld id="{D850DF63-7A21-4723-B08D-05FB12BE7CA6}" type="slidenum">
               <a:rPr lang="zh-CN" altLang="en-US" smtClean="0"/>
-              <a:t>‹#›</a:t>
             </a:fld>
             <a:endParaRPr lang="zh-CN" altLang="en-US"/>
           </a:p>
         </p:txBody>
       </p:sp>
     </p:spTree>
-    <p:extLst>
-      <p:ext uri="{BB962C8B-B14F-4D97-AF65-F5344CB8AC3E}">
-        <p14:creationId xmlns:p14="http://schemas.microsoft.com/office/powerpoint/2010/main" val="1181757850"/>
-      </p:ext>
-    </p:extLst>
   </p:cSld>
   <p:clrMapOvr>
     <a:masterClrMapping/>
@@ -552,13 +481,7 @@
       </p:grpSpPr>
       <p:sp>
         <p:nvSpPr>
-          <p:cNvPr id="2" name="竖排标题 1">
-            <a:extLst>
-              <a:ext uri="{FF2B5EF4-FFF2-40B4-BE49-F238E27FC236}">
-                <a16:creationId xmlns:a16="http://schemas.microsoft.com/office/drawing/2014/main" id="{2051002D-339F-4847-A156-0C7943E9EAB6}"/>
-              </a:ext>
-            </a:extLst>
-          </p:cNvPr>
+          <p:cNvPr id="2" name="竖排标题 1"/>
           <p:cNvSpPr>
             <a:spLocks noGrp="1"/>
           </p:cNvSpPr>
@@ -580,18 +503,13 @@
               <a:rPr lang="zh-CN" altLang="en-US"/>
               <a:t>单击此处编辑母版标题样式</a:t>
             </a:r>
-          </a:p>
-        </p:txBody>
-      </p:sp>
-      <p:sp>
-        <p:nvSpPr>
-          <p:cNvPr id="3" name="竖排文字占位符 2">
-            <a:extLst>
-              <a:ext uri="{FF2B5EF4-FFF2-40B4-BE49-F238E27FC236}">
-                <a16:creationId xmlns:a16="http://schemas.microsoft.com/office/drawing/2014/main" id="{685F9D7E-359B-4AEB-AEB1-BC2CE42FC1F9}"/>
-              </a:ext>
-            </a:extLst>
-          </p:cNvPr>
+            <a:endParaRPr lang="zh-CN" altLang="en-US"/>
+          </a:p>
+        </p:txBody>
+      </p:sp>
+      <p:sp>
+        <p:nvSpPr>
+          <p:cNvPr id="3" name="竖排文字占位符 2"/>
           <p:cNvSpPr>
             <a:spLocks noGrp="1"/>
           </p:cNvSpPr>
@@ -614,6 +532,7 @@
               <a:rPr lang="zh-CN" altLang="en-US"/>
               <a:t>单击此处编辑母版文本样式</a:t>
             </a:r>
+            <a:endParaRPr lang="zh-CN" altLang="en-US"/>
           </a:p>
           <a:p>
             <a:pPr lvl="1"/>
@@ -621,6 +540,7 @@
               <a:rPr lang="zh-CN" altLang="en-US"/>
               <a:t>二级</a:t>
             </a:r>
+            <a:endParaRPr lang="zh-CN" altLang="en-US"/>
           </a:p>
           <a:p>
             <a:pPr lvl="2"/>
@@ -628,6 +548,7 @@
               <a:rPr lang="zh-CN" altLang="en-US"/>
               <a:t>三级</a:t>
             </a:r>
+            <a:endParaRPr lang="zh-CN" altLang="en-US"/>
           </a:p>
           <a:p>
             <a:pPr lvl="3"/>
@@ -635,6 +556,7 @@
               <a:rPr lang="zh-CN" altLang="en-US"/>
               <a:t>四级</a:t>
             </a:r>
+            <a:endParaRPr lang="zh-CN" altLang="en-US"/>
           </a:p>
           <a:p>
             <a:pPr lvl="4"/>
@@ -642,18 +564,13 @@
               <a:rPr lang="zh-CN" altLang="en-US"/>
               <a:t>五级</a:t>
             </a:r>
-          </a:p>
-        </p:txBody>
-      </p:sp>
-      <p:sp>
-        <p:nvSpPr>
-          <p:cNvPr id="4" name="日期占位符 3">
-            <a:extLst>
-              <a:ext uri="{FF2B5EF4-FFF2-40B4-BE49-F238E27FC236}">
-                <a16:creationId xmlns:a16="http://schemas.microsoft.com/office/drawing/2014/main" id="{7A988DCF-0AE5-404A-B97A-BAECECA9C389}"/>
-              </a:ext>
-            </a:extLst>
-          </p:cNvPr>
+            <a:endParaRPr lang="zh-CN" altLang="en-US"/>
+          </a:p>
+        </p:txBody>
+      </p:sp>
+      <p:sp>
+        <p:nvSpPr>
+          <p:cNvPr id="4" name="日期占位符 3"/>
           <p:cNvSpPr>
             <a:spLocks noGrp="1"/>
           </p:cNvSpPr>
@@ -668,7 +585,6 @@
           <a:p>
             <a:fld id="{648283BF-D07E-4268-AD41-E2A23B7C6AA4}" type="datetimeFigureOut">
               <a:rPr lang="zh-CN" altLang="en-US" smtClean="0"/>
-              <a:t>2020/5/12</a:t>
             </a:fld>
             <a:endParaRPr lang="zh-CN" altLang="en-US"/>
           </a:p>
@@ -676,13 +592,7 @@
       </p:sp>
       <p:sp>
         <p:nvSpPr>
-          <p:cNvPr id="5" name="页脚占位符 4">
-            <a:extLst>
-              <a:ext uri="{FF2B5EF4-FFF2-40B4-BE49-F238E27FC236}">
-                <a16:creationId xmlns:a16="http://schemas.microsoft.com/office/drawing/2014/main" id="{27C34E91-2D8B-4A7E-A550-80C30B5AF43B}"/>
-              </a:ext>
-            </a:extLst>
-          </p:cNvPr>
+          <p:cNvPr id="5" name="页脚占位符 4"/>
           <p:cNvSpPr>
             <a:spLocks noGrp="1"/>
           </p:cNvSpPr>
@@ -701,13 +611,7 @@
       </p:sp>
       <p:sp>
         <p:nvSpPr>
-          <p:cNvPr id="6" name="灯片编号占位符 5">
-            <a:extLst>
-              <a:ext uri="{FF2B5EF4-FFF2-40B4-BE49-F238E27FC236}">
-                <a16:creationId xmlns:a16="http://schemas.microsoft.com/office/drawing/2014/main" id="{629CABE6-4AF7-4A6F-948A-FF9C2F781275}"/>
-              </a:ext>
-            </a:extLst>
-          </p:cNvPr>
+          <p:cNvPr id="6" name="灯片编号占位符 5"/>
           <p:cNvSpPr>
             <a:spLocks noGrp="1"/>
           </p:cNvSpPr>
@@ -722,18 +626,12 @@
           <a:p>
             <a:fld id="{D850DF63-7A21-4723-B08D-05FB12BE7CA6}" type="slidenum">
               <a:rPr lang="zh-CN" altLang="en-US" smtClean="0"/>
-              <a:t>‹#›</a:t>
             </a:fld>
             <a:endParaRPr lang="zh-CN" altLang="en-US"/>
           </a:p>
         </p:txBody>
       </p:sp>
     </p:spTree>
-    <p:extLst>
-      <p:ext uri="{BB962C8B-B14F-4D97-AF65-F5344CB8AC3E}">
-        <p14:creationId xmlns:p14="http://schemas.microsoft.com/office/powerpoint/2010/main" val="2847415040"/>
-      </p:ext>
-    </p:extLst>
   </p:cSld>
   <p:clrMapOvr>
     <a:masterClrMapping/>
@@ -760,13 +658,7 @@
       </p:grpSpPr>
       <p:sp>
         <p:nvSpPr>
-          <p:cNvPr id="2" name="标题 1">
-            <a:extLst>
-              <a:ext uri="{FF2B5EF4-FFF2-40B4-BE49-F238E27FC236}">
-                <a16:creationId xmlns:a16="http://schemas.microsoft.com/office/drawing/2014/main" id="{E091046C-7B67-433C-AC11-0B93AE4CB30A}"/>
-              </a:ext>
-            </a:extLst>
-          </p:cNvPr>
+          <p:cNvPr id="2" name="标题 1"/>
           <p:cNvSpPr>
             <a:spLocks noGrp="1"/>
           </p:cNvSpPr>
@@ -783,18 +675,13 @@
               <a:rPr lang="zh-CN" altLang="en-US"/>
               <a:t>单击此处编辑母版标题样式</a:t>
             </a:r>
-          </a:p>
-        </p:txBody>
-      </p:sp>
-      <p:sp>
-        <p:nvSpPr>
-          <p:cNvPr id="3" name="内容占位符 2">
-            <a:extLst>
-              <a:ext uri="{FF2B5EF4-FFF2-40B4-BE49-F238E27FC236}">
-                <a16:creationId xmlns:a16="http://schemas.microsoft.com/office/drawing/2014/main" id="{EA963914-0BF0-4E63-A1B0-BF4342707011}"/>
-              </a:ext>
-            </a:extLst>
-          </p:cNvPr>
+            <a:endParaRPr lang="zh-CN" altLang="en-US"/>
+          </a:p>
+        </p:txBody>
+      </p:sp>
+      <p:sp>
+        <p:nvSpPr>
+          <p:cNvPr id="3" name="内容占位符 2"/>
           <p:cNvSpPr>
             <a:spLocks noGrp="1"/>
           </p:cNvSpPr>
@@ -812,6 +699,7 @@
               <a:rPr lang="zh-CN" altLang="en-US"/>
               <a:t>单击此处编辑母版文本样式</a:t>
             </a:r>
+            <a:endParaRPr lang="zh-CN" altLang="en-US"/>
           </a:p>
           <a:p>
             <a:pPr lvl="1"/>
@@ -819,6 +707,7 @@
               <a:rPr lang="zh-CN" altLang="en-US"/>
               <a:t>二级</a:t>
             </a:r>
+            <a:endParaRPr lang="zh-CN" altLang="en-US"/>
           </a:p>
           <a:p>
             <a:pPr lvl="2"/>
@@ -826,6 +715,7 @@
               <a:rPr lang="zh-CN" altLang="en-US"/>
               <a:t>三级</a:t>
             </a:r>
+            <a:endParaRPr lang="zh-CN" altLang="en-US"/>
           </a:p>
           <a:p>
             <a:pPr lvl="3"/>
@@ -833,6 +723,7 @@
               <a:rPr lang="zh-CN" altLang="en-US"/>
               <a:t>四级</a:t>
             </a:r>
+            <a:endParaRPr lang="zh-CN" altLang="en-US"/>
           </a:p>
           <a:p>
             <a:pPr lvl="4"/>
@@ -840,18 +731,13 @@
               <a:rPr lang="zh-CN" altLang="en-US"/>
               <a:t>五级</a:t>
             </a:r>
-          </a:p>
-        </p:txBody>
-      </p:sp>
-      <p:sp>
-        <p:nvSpPr>
-          <p:cNvPr id="4" name="日期占位符 3">
-            <a:extLst>
-              <a:ext uri="{FF2B5EF4-FFF2-40B4-BE49-F238E27FC236}">
-                <a16:creationId xmlns:a16="http://schemas.microsoft.com/office/drawing/2014/main" id="{883C7F1E-857E-4DD9-8856-2CB485B9C6F5}"/>
-              </a:ext>
-            </a:extLst>
-          </p:cNvPr>
+            <a:endParaRPr lang="zh-CN" altLang="en-US"/>
+          </a:p>
+        </p:txBody>
+      </p:sp>
+      <p:sp>
+        <p:nvSpPr>
+          <p:cNvPr id="4" name="日期占位符 3"/>
           <p:cNvSpPr>
             <a:spLocks noGrp="1"/>
           </p:cNvSpPr>
@@ -866,7 +752,6 @@
           <a:p>
             <a:fld id="{648283BF-D07E-4268-AD41-E2A23B7C6AA4}" type="datetimeFigureOut">
               <a:rPr lang="zh-CN" altLang="en-US" smtClean="0"/>
-              <a:t>2020/5/12</a:t>
             </a:fld>
             <a:endParaRPr lang="zh-CN" altLang="en-US"/>
           </a:p>
@@ -874,13 +759,7 @@
       </p:sp>
       <p:sp>
         <p:nvSpPr>
-          <p:cNvPr id="5" name="页脚占位符 4">
-            <a:extLst>
-              <a:ext uri="{FF2B5EF4-FFF2-40B4-BE49-F238E27FC236}">
-                <a16:creationId xmlns:a16="http://schemas.microsoft.com/office/drawing/2014/main" id="{482EF19D-8930-4C3C-9D93-033A9B9FD7E2}"/>
-              </a:ext>
-            </a:extLst>
-          </p:cNvPr>
+          <p:cNvPr id="5" name="页脚占位符 4"/>
           <p:cNvSpPr>
             <a:spLocks noGrp="1"/>
           </p:cNvSpPr>
@@ -899,13 +778,7 @@
       </p:sp>
       <p:sp>
         <p:nvSpPr>
-          <p:cNvPr id="6" name="灯片编号占位符 5">
-            <a:extLst>
-              <a:ext uri="{FF2B5EF4-FFF2-40B4-BE49-F238E27FC236}">
-                <a16:creationId xmlns:a16="http://schemas.microsoft.com/office/drawing/2014/main" id="{6D8235D2-2B9A-4988-AFEB-6A82B677C170}"/>
-              </a:ext>
-            </a:extLst>
-          </p:cNvPr>
+          <p:cNvPr id="6" name="灯片编号占位符 5"/>
           <p:cNvSpPr>
             <a:spLocks noGrp="1"/>
           </p:cNvSpPr>
@@ -920,18 +793,12 @@
           <a:p>
             <a:fld id="{D850DF63-7A21-4723-B08D-05FB12BE7CA6}" type="slidenum">
               <a:rPr lang="zh-CN" altLang="en-US" smtClean="0"/>
-              <a:t>‹#›</a:t>
             </a:fld>
             <a:endParaRPr lang="zh-CN" altLang="en-US"/>
           </a:p>
         </p:txBody>
       </p:sp>
     </p:spTree>
-    <p:extLst>
-      <p:ext uri="{BB962C8B-B14F-4D97-AF65-F5344CB8AC3E}">
-        <p14:creationId xmlns:p14="http://schemas.microsoft.com/office/powerpoint/2010/main" val="242739868"/>
-      </p:ext>
-    </p:extLst>
   </p:cSld>
   <p:clrMapOvr>
     <a:masterClrMapping/>
@@ -958,13 +825,7 @@
       </p:grpSpPr>
       <p:sp>
         <p:nvSpPr>
-          <p:cNvPr id="2" name="标题 1">
-            <a:extLst>
-              <a:ext uri="{FF2B5EF4-FFF2-40B4-BE49-F238E27FC236}">
-                <a16:creationId xmlns:a16="http://schemas.microsoft.com/office/drawing/2014/main" id="{80CCF6B0-C194-44F8-8601-C78A270174FC}"/>
-              </a:ext>
-            </a:extLst>
-          </p:cNvPr>
+          <p:cNvPr id="2" name="标题 1"/>
           <p:cNvSpPr>
             <a:spLocks noGrp="1"/>
           </p:cNvSpPr>
@@ -990,18 +851,13 @@
               <a:rPr lang="zh-CN" altLang="en-US"/>
               <a:t>单击此处编辑母版标题样式</a:t>
             </a:r>
-          </a:p>
-        </p:txBody>
-      </p:sp>
-      <p:sp>
-        <p:nvSpPr>
-          <p:cNvPr id="3" name="文本占位符 2">
-            <a:extLst>
-              <a:ext uri="{FF2B5EF4-FFF2-40B4-BE49-F238E27FC236}">
-                <a16:creationId xmlns:a16="http://schemas.microsoft.com/office/drawing/2014/main" id="{189173A3-CE42-40E1-B14D-341975E3F8F1}"/>
-              </a:ext>
-            </a:extLst>
-          </p:cNvPr>
+            <a:endParaRPr lang="zh-CN" altLang="en-US"/>
+          </a:p>
+        </p:txBody>
+      </p:sp>
+      <p:sp>
+        <p:nvSpPr>
+          <p:cNvPr id="3" name="文本占位符 2"/>
           <p:cNvSpPr>
             <a:spLocks noGrp="1"/>
           </p:cNvSpPr>
@@ -1115,18 +971,13 @@
               <a:rPr lang="zh-CN" altLang="en-US"/>
               <a:t>单击此处编辑母版文本样式</a:t>
             </a:r>
-          </a:p>
-        </p:txBody>
-      </p:sp>
-      <p:sp>
-        <p:nvSpPr>
-          <p:cNvPr id="4" name="日期占位符 3">
-            <a:extLst>
-              <a:ext uri="{FF2B5EF4-FFF2-40B4-BE49-F238E27FC236}">
-                <a16:creationId xmlns:a16="http://schemas.microsoft.com/office/drawing/2014/main" id="{4E504CC0-9AF9-4801-AB4E-28E43922F116}"/>
-              </a:ext>
-            </a:extLst>
-          </p:cNvPr>
+            <a:endParaRPr lang="zh-CN" altLang="en-US"/>
+          </a:p>
+        </p:txBody>
+      </p:sp>
+      <p:sp>
+        <p:nvSpPr>
+          <p:cNvPr id="4" name="日期占位符 3"/>
           <p:cNvSpPr>
             <a:spLocks noGrp="1"/>
           </p:cNvSpPr>
@@ -1141,7 +992,6 @@
           <a:p>
             <a:fld id="{648283BF-D07E-4268-AD41-E2A23B7C6AA4}" type="datetimeFigureOut">
               <a:rPr lang="zh-CN" altLang="en-US" smtClean="0"/>
-              <a:t>2020/5/12</a:t>
             </a:fld>
             <a:endParaRPr lang="zh-CN" altLang="en-US"/>
           </a:p>
@@ -1149,13 +999,7 @@
       </p:sp>
       <p:sp>
         <p:nvSpPr>
-          <p:cNvPr id="5" name="页脚占位符 4">
-            <a:extLst>
-              <a:ext uri="{FF2B5EF4-FFF2-40B4-BE49-F238E27FC236}">
-                <a16:creationId xmlns:a16="http://schemas.microsoft.com/office/drawing/2014/main" id="{91F72B4A-478F-411C-9E74-4B6B5F8FF088}"/>
-              </a:ext>
-            </a:extLst>
-          </p:cNvPr>
+          <p:cNvPr id="5" name="页脚占位符 4"/>
           <p:cNvSpPr>
             <a:spLocks noGrp="1"/>
           </p:cNvSpPr>
@@ -1174,13 +1018,7 @@
       </p:sp>
       <p:sp>
         <p:nvSpPr>
-          <p:cNvPr id="6" name="灯片编号占位符 5">
-            <a:extLst>
-              <a:ext uri="{FF2B5EF4-FFF2-40B4-BE49-F238E27FC236}">
-                <a16:creationId xmlns:a16="http://schemas.microsoft.com/office/drawing/2014/main" id="{3EDDF48F-91F1-4769-9ACD-7E9BFDE1B29D}"/>
-              </a:ext>
-            </a:extLst>
-          </p:cNvPr>
+          <p:cNvPr id="6" name="灯片编号占位符 5"/>
           <p:cNvSpPr>
             <a:spLocks noGrp="1"/>
           </p:cNvSpPr>
@@ -1195,18 +1033,12 @@
           <a:p>
             <a:fld id="{D850DF63-7A21-4723-B08D-05FB12BE7CA6}" type="slidenum">
               <a:rPr lang="zh-CN" altLang="en-US" smtClean="0"/>
-              <a:t>‹#›</a:t>
             </a:fld>
             <a:endParaRPr lang="zh-CN" altLang="en-US"/>
           </a:p>
         </p:txBody>
       </p:sp>
     </p:spTree>
-    <p:extLst>
-      <p:ext uri="{BB962C8B-B14F-4D97-AF65-F5344CB8AC3E}">
-        <p14:creationId xmlns:p14="http://schemas.microsoft.com/office/powerpoint/2010/main" val="1010357528"/>
-      </p:ext>
-    </p:extLst>
   </p:cSld>
   <p:clrMapOvr>
     <a:masterClrMapping/>
@@ -1233,13 +1065,7 @@
       </p:grpSpPr>
       <p:sp>
         <p:nvSpPr>
-          <p:cNvPr id="2" name="标题 1">
-            <a:extLst>
-              <a:ext uri="{FF2B5EF4-FFF2-40B4-BE49-F238E27FC236}">
-                <a16:creationId xmlns:a16="http://schemas.microsoft.com/office/drawing/2014/main" id="{EA0764D8-BFC8-4A7F-B4F5-F6D0C254602B}"/>
-              </a:ext>
-            </a:extLst>
-          </p:cNvPr>
+          <p:cNvPr id="2" name="标题 1"/>
           <p:cNvSpPr>
             <a:spLocks noGrp="1"/>
           </p:cNvSpPr>
@@ -1256,18 +1082,13 @@
               <a:rPr lang="zh-CN" altLang="en-US"/>
               <a:t>单击此处编辑母版标题样式</a:t>
             </a:r>
-          </a:p>
-        </p:txBody>
-      </p:sp>
-      <p:sp>
-        <p:nvSpPr>
-          <p:cNvPr id="3" name="内容占位符 2">
-            <a:extLst>
-              <a:ext uri="{FF2B5EF4-FFF2-40B4-BE49-F238E27FC236}">
-                <a16:creationId xmlns:a16="http://schemas.microsoft.com/office/drawing/2014/main" id="{CB1EFCBF-EDCA-4C56-9985-64229189D8BF}"/>
-              </a:ext>
-            </a:extLst>
-          </p:cNvPr>
+            <a:endParaRPr lang="zh-CN" altLang="en-US"/>
+          </a:p>
+        </p:txBody>
+      </p:sp>
+      <p:sp>
+        <p:nvSpPr>
+          <p:cNvPr id="3" name="内容占位符 2"/>
           <p:cNvSpPr>
             <a:spLocks noGrp="1"/>
           </p:cNvSpPr>
@@ -1290,6 +1111,7 @@
               <a:rPr lang="zh-CN" altLang="en-US"/>
               <a:t>单击此处编辑母版文本样式</a:t>
             </a:r>
+            <a:endParaRPr lang="zh-CN" altLang="en-US"/>
           </a:p>
           <a:p>
             <a:pPr lvl="1"/>
@@ -1297,6 +1119,7 @@
               <a:rPr lang="zh-CN" altLang="en-US"/>
               <a:t>二级</a:t>
             </a:r>
+            <a:endParaRPr lang="zh-CN" altLang="en-US"/>
           </a:p>
           <a:p>
             <a:pPr lvl="2"/>
@@ -1304,6 +1127,7 @@
               <a:rPr lang="zh-CN" altLang="en-US"/>
               <a:t>三级</a:t>
             </a:r>
+            <a:endParaRPr lang="zh-CN" altLang="en-US"/>
           </a:p>
           <a:p>
             <a:pPr lvl="3"/>
@@ -1311,6 +1135,7 @@
               <a:rPr lang="zh-CN" altLang="en-US"/>
               <a:t>四级</a:t>
             </a:r>
+            <a:endParaRPr lang="zh-CN" altLang="en-US"/>
           </a:p>
           <a:p>
             <a:pPr lvl="4"/>
@@ -1318,18 +1143,13 @@
               <a:rPr lang="zh-CN" altLang="en-US"/>
               <a:t>五级</a:t>
             </a:r>
-          </a:p>
-        </p:txBody>
-      </p:sp>
-      <p:sp>
-        <p:nvSpPr>
-          <p:cNvPr id="4" name="内容占位符 3">
-            <a:extLst>
-              <a:ext uri="{FF2B5EF4-FFF2-40B4-BE49-F238E27FC236}">
-                <a16:creationId xmlns:a16="http://schemas.microsoft.com/office/drawing/2014/main" id="{74714BA4-9655-4E3E-9273-55DF6C8A9DDF}"/>
-              </a:ext>
-            </a:extLst>
-          </p:cNvPr>
+            <a:endParaRPr lang="zh-CN" altLang="en-US"/>
+          </a:p>
+        </p:txBody>
+      </p:sp>
+      <p:sp>
+        <p:nvSpPr>
+          <p:cNvPr id="4" name="内容占位符 3"/>
           <p:cNvSpPr>
             <a:spLocks noGrp="1"/>
           </p:cNvSpPr>
@@ -1352,6 +1172,7 @@
               <a:rPr lang="zh-CN" altLang="en-US"/>
               <a:t>单击此处编辑母版文本样式</a:t>
             </a:r>
+            <a:endParaRPr lang="zh-CN" altLang="en-US"/>
           </a:p>
           <a:p>
             <a:pPr lvl="1"/>
@@ -1359,6 +1180,7 @@
               <a:rPr lang="zh-CN" altLang="en-US"/>
               <a:t>二级</a:t>
             </a:r>
+            <a:endParaRPr lang="zh-CN" altLang="en-US"/>
           </a:p>
           <a:p>
             <a:pPr lvl="2"/>
@@ -1366,6 +1188,7 @@
               <a:rPr lang="zh-CN" altLang="en-US"/>
               <a:t>三级</a:t>
             </a:r>
+            <a:endParaRPr lang="zh-CN" altLang="en-US"/>
           </a:p>
           <a:p>
             <a:pPr lvl="3"/>
@@ -1373,6 +1196,7 @@
               <a:rPr lang="zh-CN" altLang="en-US"/>
               <a:t>四级</a:t>
             </a:r>
+            <a:endParaRPr lang="zh-CN" altLang="en-US"/>
           </a:p>
           <a:p>
             <a:pPr lvl="4"/>
@@ -1380,18 +1204,13 @@
               <a:rPr lang="zh-CN" altLang="en-US"/>
               <a:t>五级</a:t>
             </a:r>
-          </a:p>
-        </p:txBody>
-      </p:sp>
-      <p:sp>
-        <p:nvSpPr>
-          <p:cNvPr id="5" name="日期占位符 4">
-            <a:extLst>
-              <a:ext uri="{FF2B5EF4-FFF2-40B4-BE49-F238E27FC236}">
-                <a16:creationId xmlns:a16="http://schemas.microsoft.com/office/drawing/2014/main" id="{EC4495E1-8F51-49FE-B528-9C4A9AA1A92A}"/>
-              </a:ext>
-            </a:extLst>
-          </p:cNvPr>
+            <a:endParaRPr lang="zh-CN" altLang="en-US"/>
+          </a:p>
+        </p:txBody>
+      </p:sp>
+      <p:sp>
+        <p:nvSpPr>
+          <p:cNvPr id="5" name="日期占位符 4"/>
           <p:cNvSpPr>
             <a:spLocks noGrp="1"/>
           </p:cNvSpPr>
@@ -1406,7 +1225,6 @@
           <a:p>
             <a:fld id="{648283BF-D07E-4268-AD41-E2A23B7C6AA4}" type="datetimeFigureOut">
               <a:rPr lang="zh-CN" altLang="en-US" smtClean="0"/>
-              <a:t>2020/5/12</a:t>
             </a:fld>
             <a:endParaRPr lang="zh-CN" altLang="en-US"/>
           </a:p>
@@ -1414,13 +1232,7 @@
       </p:sp>
       <p:sp>
         <p:nvSpPr>
-          <p:cNvPr id="6" name="页脚占位符 5">
-            <a:extLst>
-              <a:ext uri="{FF2B5EF4-FFF2-40B4-BE49-F238E27FC236}">
-                <a16:creationId xmlns:a16="http://schemas.microsoft.com/office/drawing/2014/main" id="{E6B38E36-71B5-4BAA-B1C9-5C7DC2F4D564}"/>
-              </a:ext>
-            </a:extLst>
-          </p:cNvPr>
+          <p:cNvPr id="6" name="页脚占位符 5"/>
           <p:cNvSpPr>
             <a:spLocks noGrp="1"/>
           </p:cNvSpPr>
@@ -1439,13 +1251,7 @@
       </p:sp>
       <p:sp>
         <p:nvSpPr>
-          <p:cNvPr id="7" name="灯片编号占位符 6">
-            <a:extLst>
-              <a:ext uri="{FF2B5EF4-FFF2-40B4-BE49-F238E27FC236}">
-                <a16:creationId xmlns:a16="http://schemas.microsoft.com/office/drawing/2014/main" id="{F74F8B53-0683-4DD0-A881-4C84AC4231F5}"/>
-              </a:ext>
-            </a:extLst>
-          </p:cNvPr>
+          <p:cNvPr id="7" name="灯片编号占位符 6"/>
           <p:cNvSpPr>
             <a:spLocks noGrp="1"/>
           </p:cNvSpPr>
@@ -1460,18 +1266,12 @@
           <a:p>
             <a:fld id="{D850DF63-7A21-4723-B08D-05FB12BE7CA6}" type="slidenum">
               <a:rPr lang="zh-CN" altLang="en-US" smtClean="0"/>
-              <a:t>‹#›</a:t>
             </a:fld>
             <a:endParaRPr lang="zh-CN" altLang="en-US"/>
           </a:p>
         </p:txBody>
       </p:sp>
     </p:spTree>
-    <p:extLst>
-      <p:ext uri="{BB962C8B-B14F-4D97-AF65-F5344CB8AC3E}">
-        <p14:creationId xmlns:p14="http://schemas.microsoft.com/office/powerpoint/2010/main" val="2297479951"/>
-      </p:ext>
-    </p:extLst>
   </p:cSld>
   <p:clrMapOvr>
     <a:masterClrMapping/>
@@ -1498,13 +1298,7 @@
       </p:grpSpPr>
       <p:sp>
         <p:nvSpPr>
-          <p:cNvPr id="2" name="标题 1">
-            <a:extLst>
-              <a:ext uri="{FF2B5EF4-FFF2-40B4-BE49-F238E27FC236}">
-                <a16:creationId xmlns:a16="http://schemas.microsoft.com/office/drawing/2014/main" id="{737F30CB-239F-4207-A60B-8742BB82B302}"/>
-              </a:ext>
-            </a:extLst>
-          </p:cNvPr>
+          <p:cNvPr id="2" name="标题 1"/>
           <p:cNvSpPr>
             <a:spLocks noGrp="1"/>
           </p:cNvSpPr>
@@ -1526,18 +1320,13 @@
               <a:rPr lang="zh-CN" altLang="en-US"/>
               <a:t>单击此处编辑母版标题样式</a:t>
             </a:r>
-          </a:p>
-        </p:txBody>
-      </p:sp>
-      <p:sp>
-        <p:nvSpPr>
-          <p:cNvPr id="3" name="文本占位符 2">
-            <a:extLst>
-              <a:ext uri="{FF2B5EF4-FFF2-40B4-BE49-F238E27FC236}">
-                <a16:creationId xmlns:a16="http://schemas.microsoft.com/office/drawing/2014/main" id="{A4CD076E-7B71-4294-9E45-8E34270AC0F5}"/>
-              </a:ext>
-            </a:extLst>
-          </p:cNvPr>
+            <a:endParaRPr lang="zh-CN" altLang="en-US"/>
+          </a:p>
+        </p:txBody>
+      </p:sp>
+      <p:sp>
+        <p:nvSpPr>
+          <p:cNvPr id="3" name="文本占位符 2"/>
           <p:cNvSpPr>
             <a:spLocks noGrp="1"/>
           </p:cNvSpPr>
@@ -1597,18 +1386,13 @@
               <a:rPr lang="zh-CN" altLang="en-US"/>
               <a:t>单击此处编辑母版文本样式</a:t>
             </a:r>
-          </a:p>
-        </p:txBody>
-      </p:sp>
-      <p:sp>
-        <p:nvSpPr>
-          <p:cNvPr id="4" name="内容占位符 3">
-            <a:extLst>
-              <a:ext uri="{FF2B5EF4-FFF2-40B4-BE49-F238E27FC236}">
-                <a16:creationId xmlns:a16="http://schemas.microsoft.com/office/drawing/2014/main" id="{CB566476-6965-45F1-ADC2-BEF3DC143313}"/>
-              </a:ext>
-            </a:extLst>
-          </p:cNvPr>
+            <a:endParaRPr lang="zh-CN" altLang="en-US"/>
+          </a:p>
+        </p:txBody>
+      </p:sp>
+      <p:sp>
+        <p:nvSpPr>
+          <p:cNvPr id="4" name="内容占位符 3"/>
           <p:cNvSpPr>
             <a:spLocks noGrp="1"/>
           </p:cNvSpPr>
@@ -1631,6 +1415,7 @@
               <a:rPr lang="zh-CN" altLang="en-US"/>
               <a:t>单击此处编辑母版文本样式</a:t>
             </a:r>
+            <a:endParaRPr lang="zh-CN" altLang="en-US"/>
           </a:p>
           <a:p>
             <a:pPr lvl="1"/>
@@ -1638,6 +1423,7 @@
               <a:rPr lang="zh-CN" altLang="en-US"/>
               <a:t>二级</a:t>
             </a:r>
+            <a:endParaRPr lang="zh-CN" altLang="en-US"/>
           </a:p>
           <a:p>
             <a:pPr lvl="2"/>
@@ -1645,6 +1431,7 @@
               <a:rPr lang="zh-CN" altLang="en-US"/>
               <a:t>三级</a:t>
             </a:r>
+            <a:endParaRPr lang="zh-CN" altLang="en-US"/>
           </a:p>
           <a:p>
             <a:pPr lvl="3"/>
@@ -1652,6 +1439,7 @@
               <a:rPr lang="zh-CN" altLang="en-US"/>
               <a:t>四级</a:t>
             </a:r>
+            <a:endParaRPr lang="zh-CN" altLang="en-US"/>
           </a:p>
           <a:p>
             <a:pPr lvl="4"/>
@@ -1659,18 +1447,13 @@
               <a:rPr lang="zh-CN" altLang="en-US"/>
               <a:t>五级</a:t>
             </a:r>
-          </a:p>
-        </p:txBody>
-      </p:sp>
-      <p:sp>
-        <p:nvSpPr>
-          <p:cNvPr id="5" name="文本占位符 4">
-            <a:extLst>
-              <a:ext uri="{FF2B5EF4-FFF2-40B4-BE49-F238E27FC236}">
-                <a16:creationId xmlns:a16="http://schemas.microsoft.com/office/drawing/2014/main" id="{5A1A7E28-0416-4F58-950F-28C58D47DE00}"/>
-              </a:ext>
-            </a:extLst>
-          </p:cNvPr>
+            <a:endParaRPr lang="zh-CN" altLang="en-US"/>
+          </a:p>
+        </p:txBody>
+      </p:sp>
+      <p:sp>
+        <p:nvSpPr>
+          <p:cNvPr id="5" name="文本占位符 4"/>
           <p:cNvSpPr>
             <a:spLocks noGrp="1"/>
           </p:cNvSpPr>
@@ -1730,18 +1513,13 @@
               <a:rPr lang="zh-CN" altLang="en-US"/>
               <a:t>单击此处编辑母版文本样式</a:t>
             </a:r>
-          </a:p>
-        </p:txBody>
-      </p:sp>
-      <p:sp>
-        <p:nvSpPr>
-          <p:cNvPr id="6" name="内容占位符 5">
-            <a:extLst>
-              <a:ext uri="{FF2B5EF4-FFF2-40B4-BE49-F238E27FC236}">
-                <a16:creationId xmlns:a16="http://schemas.microsoft.com/office/drawing/2014/main" id="{A4DEB790-76C0-4FC1-9283-101D8C1DF1AE}"/>
-              </a:ext>
-            </a:extLst>
-          </p:cNvPr>
+            <a:endParaRPr lang="zh-CN" altLang="en-US"/>
+          </a:p>
+        </p:txBody>
+      </p:sp>
+      <p:sp>
+        <p:nvSpPr>
+          <p:cNvPr id="6" name="内容占位符 5"/>
           <p:cNvSpPr>
             <a:spLocks noGrp="1"/>
           </p:cNvSpPr>
@@ -1764,6 +1542,7 @@
               <a:rPr lang="zh-CN" altLang="en-US"/>
               <a:t>单击此处编辑母版文本样式</a:t>
             </a:r>
+            <a:endParaRPr lang="zh-CN" altLang="en-US"/>
           </a:p>
           <a:p>
             <a:pPr lvl="1"/>
@@ -1771,6 +1550,7 @@
               <a:rPr lang="zh-CN" altLang="en-US"/>
               <a:t>二级</a:t>
             </a:r>
+            <a:endParaRPr lang="zh-CN" altLang="en-US"/>
           </a:p>
           <a:p>
             <a:pPr lvl="2"/>
@@ -1778,6 +1558,7 @@
               <a:rPr lang="zh-CN" altLang="en-US"/>
               <a:t>三级</a:t>
             </a:r>
+            <a:endParaRPr lang="zh-CN" altLang="en-US"/>
           </a:p>
           <a:p>
             <a:pPr lvl="3"/>
@@ -1785,6 +1566,7 @@
               <a:rPr lang="zh-CN" altLang="en-US"/>
               <a:t>四级</a:t>
             </a:r>
+            <a:endParaRPr lang="zh-CN" altLang="en-US"/>
           </a:p>
           <a:p>
             <a:pPr lvl="4"/>
@@ -1792,18 +1574,13 @@
               <a:rPr lang="zh-CN" altLang="en-US"/>
               <a:t>五级</a:t>
             </a:r>
-          </a:p>
-        </p:txBody>
-      </p:sp>
-      <p:sp>
-        <p:nvSpPr>
-          <p:cNvPr id="7" name="日期占位符 6">
-            <a:extLst>
-              <a:ext uri="{FF2B5EF4-FFF2-40B4-BE49-F238E27FC236}">
-                <a16:creationId xmlns:a16="http://schemas.microsoft.com/office/drawing/2014/main" id="{BC0E5CA0-163F-4D3C-93D7-61E65823A048}"/>
-              </a:ext>
-            </a:extLst>
-          </p:cNvPr>
+            <a:endParaRPr lang="zh-CN" altLang="en-US"/>
+          </a:p>
+        </p:txBody>
+      </p:sp>
+      <p:sp>
+        <p:nvSpPr>
+          <p:cNvPr id="7" name="日期占位符 6"/>
           <p:cNvSpPr>
             <a:spLocks noGrp="1"/>
           </p:cNvSpPr>
@@ -1818,7 +1595,6 @@
           <a:p>
             <a:fld id="{648283BF-D07E-4268-AD41-E2A23B7C6AA4}" type="datetimeFigureOut">
               <a:rPr lang="zh-CN" altLang="en-US" smtClean="0"/>
-              <a:t>2020/5/12</a:t>
             </a:fld>
             <a:endParaRPr lang="zh-CN" altLang="en-US"/>
           </a:p>
@@ -1826,13 +1602,7 @@
       </p:sp>
       <p:sp>
         <p:nvSpPr>
-          <p:cNvPr id="8" name="页脚占位符 7">
-            <a:extLst>
-              <a:ext uri="{FF2B5EF4-FFF2-40B4-BE49-F238E27FC236}">
-                <a16:creationId xmlns:a16="http://schemas.microsoft.com/office/drawing/2014/main" id="{AF7983CA-B87A-4D1C-9ADC-B4F2F01FBCC7}"/>
-              </a:ext>
-            </a:extLst>
-          </p:cNvPr>
+          <p:cNvPr id="8" name="页脚占位符 7"/>
           <p:cNvSpPr>
             <a:spLocks noGrp="1"/>
           </p:cNvSpPr>
@@ -1851,13 +1621,7 @@
       </p:sp>
       <p:sp>
         <p:nvSpPr>
-          <p:cNvPr id="9" name="灯片编号占位符 8">
-            <a:extLst>
-              <a:ext uri="{FF2B5EF4-FFF2-40B4-BE49-F238E27FC236}">
-                <a16:creationId xmlns:a16="http://schemas.microsoft.com/office/drawing/2014/main" id="{7F51043C-55A2-40CD-B700-EA0904589B6A}"/>
-              </a:ext>
-            </a:extLst>
-          </p:cNvPr>
+          <p:cNvPr id="9" name="灯片编号占位符 8"/>
           <p:cNvSpPr>
             <a:spLocks noGrp="1"/>
           </p:cNvSpPr>
@@ -1872,18 +1636,12 @@
           <a:p>
             <a:fld id="{D850DF63-7A21-4723-B08D-05FB12BE7CA6}" type="slidenum">
               <a:rPr lang="zh-CN" altLang="en-US" smtClean="0"/>
-              <a:t>‹#›</a:t>
             </a:fld>
             <a:endParaRPr lang="zh-CN" altLang="en-US"/>
           </a:p>
         </p:txBody>
       </p:sp>
     </p:spTree>
-    <p:extLst>
-      <p:ext uri="{BB962C8B-B14F-4D97-AF65-F5344CB8AC3E}">
-        <p14:creationId xmlns:p14="http://schemas.microsoft.com/office/powerpoint/2010/main" val="3182149539"/>
-      </p:ext>
-    </p:extLst>
   </p:cSld>
   <p:clrMapOvr>
     <a:masterClrMapping/>
@@ -1910,13 +1668,7 @@
       </p:grpSpPr>
       <p:sp>
         <p:nvSpPr>
-          <p:cNvPr id="2" name="标题 1">
-            <a:extLst>
-              <a:ext uri="{FF2B5EF4-FFF2-40B4-BE49-F238E27FC236}">
-                <a16:creationId xmlns:a16="http://schemas.microsoft.com/office/drawing/2014/main" id="{E99FCBE1-8AA4-4636-B826-1881CBDC076E}"/>
-              </a:ext>
-            </a:extLst>
-          </p:cNvPr>
+          <p:cNvPr id="2" name="标题 1"/>
           <p:cNvSpPr>
             <a:spLocks noGrp="1"/>
           </p:cNvSpPr>
@@ -1933,18 +1685,13 @@
               <a:rPr lang="zh-CN" altLang="en-US"/>
               <a:t>单击此处编辑母版标题样式</a:t>
             </a:r>
-          </a:p>
-        </p:txBody>
-      </p:sp>
-      <p:sp>
-        <p:nvSpPr>
-          <p:cNvPr id="3" name="日期占位符 2">
-            <a:extLst>
-              <a:ext uri="{FF2B5EF4-FFF2-40B4-BE49-F238E27FC236}">
-                <a16:creationId xmlns:a16="http://schemas.microsoft.com/office/drawing/2014/main" id="{E2DA9910-0CAF-4340-8284-FEE9A0ECF4F2}"/>
-              </a:ext>
-            </a:extLst>
-          </p:cNvPr>
+            <a:endParaRPr lang="zh-CN" altLang="en-US"/>
+          </a:p>
+        </p:txBody>
+      </p:sp>
+      <p:sp>
+        <p:nvSpPr>
+          <p:cNvPr id="3" name="日期占位符 2"/>
           <p:cNvSpPr>
             <a:spLocks noGrp="1"/>
           </p:cNvSpPr>
@@ -1959,7 +1706,6 @@
           <a:p>
             <a:fld id="{648283BF-D07E-4268-AD41-E2A23B7C6AA4}" type="datetimeFigureOut">
               <a:rPr lang="zh-CN" altLang="en-US" smtClean="0"/>
-              <a:t>2020/5/12</a:t>
             </a:fld>
             <a:endParaRPr lang="zh-CN" altLang="en-US"/>
           </a:p>
@@ -1967,13 +1713,7 @@
       </p:sp>
       <p:sp>
         <p:nvSpPr>
-          <p:cNvPr id="4" name="页脚占位符 3">
-            <a:extLst>
-              <a:ext uri="{FF2B5EF4-FFF2-40B4-BE49-F238E27FC236}">
-                <a16:creationId xmlns:a16="http://schemas.microsoft.com/office/drawing/2014/main" id="{868099F1-E9F6-4E80-ABD5-72DB7F9E22F6}"/>
-              </a:ext>
-            </a:extLst>
-          </p:cNvPr>
+          <p:cNvPr id="4" name="页脚占位符 3"/>
           <p:cNvSpPr>
             <a:spLocks noGrp="1"/>
           </p:cNvSpPr>
@@ -1992,13 +1732,7 @@
       </p:sp>
       <p:sp>
         <p:nvSpPr>
-          <p:cNvPr id="5" name="灯片编号占位符 4">
-            <a:extLst>
-              <a:ext uri="{FF2B5EF4-FFF2-40B4-BE49-F238E27FC236}">
-                <a16:creationId xmlns:a16="http://schemas.microsoft.com/office/drawing/2014/main" id="{67329EC7-BFB6-4A6E-9CA7-A783812F3661}"/>
-              </a:ext>
-            </a:extLst>
-          </p:cNvPr>
+          <p:cNvPr id="5" name="灯片编号占位符 4"/>
           <p:cNvSpPr>
             <a:spLocks noGrp="1"/>
           </p:cNvSpPr>
@@ -2013,18 +1747,12 @@
           <a:p>
             <a:fld id="{D850DF63-7A21-4723-B08D-05FB12BE7CA6}" type="slidenum">
               <a:rPr lang="zh-CN" altLang="en-US" smtClean="0"/>
-              <a:t>‹#›</a:t>
             </a:fld>
             <a:endParaRPr lang="zh-CN" altLang="en-US"/>
           </a:p>
         </p:txBody>
       </p:sp>
     </p:spTree>
-    <p:extLst>
-      <p:ext uri="{BB962C8B-B14F-4D97-AF65-F5344CB8AC3E}">
-        <p14:creationId xmlns:p14="http://schemas.microsoft.com/office/powerpoint/2010/main" val="411142351"/>
-      </p:ext>
-    </p:extLst>
   </p:cSld>
   <p:clrMapOvr>
     <a:masterClrMapping/>
@@ -2051,13 +1779,7 @@
       </p:grpSpPr>
       <p:sp>
         <p:nvSpPr>
-          <p:cNvPr id="2" name="日期占位符 1">
-            <a:extLst>
-              <a:ext uri="{FF2B5EF4-FFF2-40B4-BE49-F238E27FC236}">
-                <a16:creationId xmlns:a16="http://schemas.microsoft.com/office/drawing/2014/main" id="{030A35CE-25A5-47FA-AC57-BFFC41816C8D}"/>
-              </a:ext>
-            </a:extLst>
-          </p:cNvPr>
+          <p:cNvPr id="2" name="日期占位符 1"/>
           <p:cNvSpPr>
             <a:spLocks noGrp="1"/>
           </p:cNvSpPr>
@@ -2072,7 +1794,6 @@
           <a:p>
             <a:fld id="{648283BF-D07E-4268-AD41-E2A23B7C6AA4}" type="datetimeFigureOut">
               <a:rPr lang="zh-CN" altLang="en-US" smtClean="0"/>
-              <a:t>2020/5/12</a:t>
             </a:fld>
             <a:endParaRPr lang="zh-CN" altLang="en-US"/>
           </a:p>
@@ -2080,13 +1801,7 @@
       </p:sp>
       <p:sp>
         <p:nvSpPr>
-          <p:cNvPr id="3" name="页脚占位符 2">
-            <a:extLst>
-              <a:ext uri="{FF2B5EF4-FFF2-40B4-BE49-F238E27FC236}">
-                <a16:creationId xmlns:a16="http://schemas.microsoft.com/office/drawing/2014/main" id="{D81ED415-02C4-414C-B2D0-2ACDBA23FFCB}"/>
-              </a:ext>
-            </a:extLst>
-          </p:cNvPr>
+          <p:cNvPr id="3" name="页脚占位符 2"/>
           <p:cNvSpPr>
             <a:spLocks noGrp="1"/>
           </p:cNvSpPr>
@@ -2105,13 +1820,7 @@
       </p:sp>
       <p:sp>
         <p:nvSpPr>
-          <p:cNvPr id="4" name="灯片编号占位符 3">
-            <a:extLst>
-              <a:ext uri="{FF2B5EF4-FFF2-40B4-BE49-F238E27FC236}">
-                <a16:creationId xmlns:a16="http://schemas.microsoft.com/office/drawing/2014/main" id="{CE810EC5-4498-451C-B299-371022D1DA98}"/>
-              </a:ext>
-            </a:extLst>
-          </p:cNvPr>
+          <p:cNvPr id="4" name="灯片编号占位符 3"/>
           <p:cNvSpPr>
             <a:spLocks noGrp="1"/>
           </p:cNvSpPr>
@@ -2126,18 +1835,12 @@
           <a:p>
             <a:fld id="{D850DF63-7A21-4723-B08D-05FB12BE7CA6}" type="slidenum">
               <a:rPr lang="zh-CN" altLang="en-US" smtClean="0"/>
-              <a:t>‹#›</a:t>
             </a:fld>
             <a:endParaRPr lang="zh-CN" altLang="en-US"/>
           </a:p>
         </p:txBody>
       </p:sp>
     </p:spTree>
-    <p:extLst>
-      <p:ext uri="{BB962C8B-B14F-4D97-AF65-F5344CB8AC3E}">
-        <p14:creationId xmlns:p14="http://schemas.microsoft.com/office/powerpoint/2010/main" val="1536377864"/>
-      </p:ext>
-    </p:extLst>
   </p:cSld>
   <p:clrMapOvr>
     <a:masterClrMapping/>
@@ -2164,13 +1867,7 @@
       </p:grpSpPr>
       <p:sp>
         <p:nvSpPr>
-          <p:cNvPr id="2" name="标题 1">
-            <a:extLst>
-              <a:ext uri="{FF2B5EF4-FFF2-40B4-BE49-F238E27FC236}">
-                <a16:creationId xmlns:a16="http://schemas.microsoft.com/office/drawing/2014/main" id="{2DAD8171-F0F7-4736-BCB5-3F9FCEA24F17}"/>
-              </a:ext>
-            </a:extLst>
-          </p:cNvPr>
+          <p:cNvPr id="2" name="标题 1"/>
           <p:cNvSpPr>
             <a:spLocks noGrp="1"/>
           </p:cNvSpPr>
@@ -2196,18 +1893,13 @@
               <a:rPr lang="zh-CN" altLang="en-US"/>
               <a:t>单击此处编辑母版标题样式</a:t>
             </a:r>
-          </a:p>
-        </p:txBody>
-      </p:sp>
-      <p:sp>
-        <p:nvSpPr>
-          <p:cNvPr id="3" name="内容占位符 2">
-            <a:extLst>
-              <a:ext uri="{FF2B5EF4-FFF2-40B4-BE49-F238E27FC236}">
-                <a16:creationId xmlns:a16="http://schemas.microsoft.com/office/drawing/2014/main" id="{CD4BB3C9-F389-4CE0-8757-D196A89CFB55}"/>
-              </a:ext>
-            </a:extLst>
-          </p:cNvPr>
+            <a:endParaRPr lang="zh-CN" altLang="en-US"/>
+          </a:p>
+        </p:txBody>
+      </p:sp>
+      <p:sp>
+        <p:nvSpPr>
+          <p:cNvPr id="3" name="内容占位符 2"/>
           <p:cNvSpPr>
             <a:spLocks noGrp="1"/>
           </p:cNvSpPr>
@@ -2258,6 +1950,7 @@
               <a:rPr lang="zh-CN" altLang="en-US"/>
               <a:t>单击此处编辑母版文本样式</a:t>
             </a:r>
+            <a:endParaRPr lang="zh-CN" altLang="en-US"/>
           </a:p>
           <a:p>
             <a:pPr lvl="1"/>
@@ -2265,6 +1958,7 @@
               <a:rPr lang="zh-CN" altLang="en-US"/>
               <a:t>二级</a:t>
             </a:r>
+            <a:endParaRPr lang="zh-CN" altLang="en-US"/>
           </a:p>
           <a:p>
             <a:pPr lvl="2"/>
@@ -2272,6 +1966,7 @@
               <a:rPr lang="zh-CN" altLang="en-US"/>
               <a:t>三级</a:t>
             </a:r>
+            <a:endParaRPr lang="zh-CN" altLang="en-US"/>
           </a:p>
           <a:p>
             <a:pPr lvl="3"/>
@@ -2279,6 +1974,7 @@
               <a:rPr lang="zh-CN" altLang="en-US"/>
               <a:t>四级</a:t>
             </a:r>
+            <a:endParaRPr lang="zh-CN" altLang="en-US"/>
           </a:p>
           <a:p>
             <a:pPr lvl="4"/>
@@ -2286,18 +1982,13 @@
               <a:rPr lang="zh-CN" altLang="en-US"/>
               <a:t>五级</a:t>
             </a:r>
-          </a:p>
-        </p:txBody>
-      </p:sp>
-      <p:sp>
-        <p:nvSpPr>
-          <p:cNvPr id="4" name="文本占位符 3">
-            <a:extLst>
-              <a:ext uri="{FF2B5EF4-FFF2-40B4-BE49-F238E27FC236}">
-                <a16:creationId xmlns:a16="http://schemas.microsoft.com/office/drawing/2014/main" id="{F661AD4A-8B3F-4C02-853C-F64BEECCD982}"/>
-              </a:ext>
-            </a:extLst>
-          </p:cNvPr>
+            <a:endParaRPr lang="zh-CN" altLang="en-US"/>
+          </a:p>
+        </p:txBody>
+      </p:sp>
+      <p:sp>
+        <p:nvSpPr>
+          <p:cNvPr id="4" name="文本占位符 3"/>
           <p:cNvSpPr>
             <a:spLocks noGrp="1"/>
           </p:cNvSpPr>
@@ -2357,18 +2048,13 @@
               <a:rPr lang="zh-CN" altLang="en-US"/>
               <a:t>单击此处编辑母版文本样式</a:t>
             </a:r>
-          </a:p>
-        </p:txBody>
-      </p:sp>
-      <p:sp>
-        <p:nvSpPr>
-          <p:cNvPr id="5" name="日期占位符 4">
-            <a:extLst>
-              <a:ext uri="{FF2B5EF4-FFF2-40B4-BE49-F238E27FC236}">
-                <a16:creationId xmlns:a16="http://schemas.microsoft.com/office/drawing/2014/main" id="{38DB88A8-0DFB-4952-9177-F9F0B7BA3CF2}"/>
-              </a:ext>
-            </a:extLst>
-          </p:cNvPr>
+            <a:endParaRPr lang="zh-CN" altLang="en-US"/>
+          </a:p>
+        </p:txBody>
+      </p:sp>
+      <p:sp>
+        <p:nvSpPr>
+          <p:cNvPr id="5" name="日期占位符 4"/>
           <p:cNvSpPr>
             <a:spLocks noGrp="1"/>
           </p:cNvSpPr>
@@ -2383,7 +2069,6 @@
           <a:p>
             <a:fld id="{648283BF-D07E-4268-AD41-E2A23B7C6AA4}" type="datetimeFigureOut">
               <a:rPr lang="zh-CN" altLang="en-US" smtClean="0"/>
-              <a:t>2020/5/12</a:t>
             </a:fld>
             <a:endParaRPr lang="zh-CN" altLang="en-US"/>
           </a:p>
@@ -2391,13 +2076,7 @@
       </p:sp>
       <p:sp>
         <p:nvSpPr>
-          <p:cNvPr id="6" name="页脚占位符 5">
-            <a:extLst>
-              <a:ext uri="{FF2B5EF4-FFF2-40B4-BE49-F238E27FC236}">
-                <a16:creationId xmlns:a16="http://schemas.microsoft.com/office/drawing/2014/main" id="{2A82710B-904D-4727-8CAA-2F8E233E8440}"/>
-              </a:ext>
-            </a:extLst>
-          </p:cNvPr>
+          <p:cNvPr id="6" name="页脚占位符 5"/>
           <p:cNvSpPr>
             <a:spLocks noGrp="1"/>
           </p:cNvSpPr>
@@ -2416,13 +2095,7 @@
       </p:sp>
       <p:sp>
         <p:nvSpPr>
-          <p:cNvPr id="7" name="灯片编号占位符 6">
-            <a:extLst>
-              <a:ext uri="{FF2B5EF4-FFF2-40B4-BE49-F238E27FC236}">
-                <a16:creationId xmlns:a16="http://schemas.microsoft.com/office/drawing/2014/main" id="{4A49E3A2-FA6E-4B86-ADDD-CF60A31126A3}"/>
-              </a:ext>
-            </a:extLst>
-          </p:cNvPr>
+          <p:cNvPr id="7" name="灯片编号占位符 6"/>
           <p:cNvSpPr>
             <a:spLocks noGrp="1"/>
           </p:cNvSpPr>
@@ -2437,18 +2110,12 @@
           <a:p>
             <a:fld id="{D850DF63-7A21-4723-B08D-05FB12BE7CA6}" type="slidenum">
               <a:rPr lang="zh-CN" altLang="en-US" smtClean="0"/>
-              <a:t>‹#›</a:t>
             </a:fld>
             <a:endParaRPr lang="zh-CN" altLang="en-US"/>
           </a:p>
         </p:txBody>
       </p:sp>
     </p:spTree>
-    <p:extLst>
-      <p:ext uri="{BB962C8B-B14F-4D97-AF65-F5344CB8AC3E}">
-        <p14:creationId xmlns:p14="http://schemas.microsoft.com/office/powerpoint/2010/main" val="1730238747"/>
-      </p:ext>
-    </p:extLst>
   </p:cSld>
   <p:clrMapOvr>
     <a:masterClrMapping/>
@@ -2475,13 +2142,7 @@
       </p:grpSpPr>
       <p:sp>
         <p:nvSpPr>
-          <p:cNvPr id="2" name="标题 1">
-            <a:extLst>
-              <a:ext uri="{FF2B5EF4-FFF2-40B4-BE49-F238E27FC236}">
-                <a16:creationId xmlns:a16="http://schemas.microsoft.com/office/drawing/2014/main" id="{DED5EDAD-0EFC-4C2E-AF45-7088674AA745}"/>
-              </a:ext>
-            </a:extLst>
-          </p:cNvPr>
+          <p:cNvPr id="2" name="标题 1"/>
           <p:cNvSpPr>
             <a:spLocks noGrp="1"/>
           </p:cNvSpPr>
@@ -2507,18 +2168,13 @@
               <a:rPr lang="zh-CN" altLang="en-US"/>
               <a:t>单击此处编辑母版标题样式</a:t>
             </a:r>
-          </a:p>
-        </p:txBody>
-      </p:sp>
-      <p:sp>
-        <p:nvSpPr>
-          <p:cNvPr id="3" name="图片占位符 2">
-            <a:extLst>
-              <a:ext uri="{FF2B5EF4-FFF2-40B4-BE49-F238E27FC236}">
-                <a16:creationId xmlns:a16="http://schemas.microsoft.com/office/drawing/2014/main" id="{890EFB38-D0CA-483E-B8B8-3D2CC9B7301A}"/>
-              </a:ext>
-            </a:extLst>
-          </p:cNvPr>
+            <a:endParaRPr lang="zh-CN" altLang="en-US"/>
+          </a:p>
+        </p:txBody>
+      </p:sp>
+      <p:sp>
+        <p:nvSpPr>
+          <p:cNvPr id="3" name="图片占位符 2"/>
           <p:cNvSpPr>
             <a:spLocks noGrp="1"/>
           </p:cNvSpPr>
@@ -2579,13 +2235,7 @@
       </p:sp>
       <p:sp>
         <p:nvSpPr>
-          <p:cNvPr id="4" name="文本占位符 3">
-            <a:extLst>
-              <a:ext uri="{FF2B5EF4-FFF2-40B4-BE49-F238E27FC236}">
-                <a16:creationId xmlns:a16="http://schemas.microsoft.com/office/drawing/2014/main" id="{57D73B8A-2E42-40AB-AA22-AC2083FBCFE7}"/>
-              </a:ext>
-            </a:extLst>
-          </p:cNvPr>
+          <p:cNvPr id="4" name="文本占位符 3"/>
           <p:cNvSpPr>
             <a:spLocks noGrp="1"/>
           </p:cNvSpPr>
@@ -2645,18 +2295,13 @@
               <a:rPr lang="zh-CN" altLang="en-US"/>
               <a:t>单击此处编辑母版文本样式</a:t>
             </a:r>
-          </a:p>
-        </p:txBody>
-      </p:sp>
-      <p:sp>
-        <p:nvSpPr>
-          <p:cNvPr id="5" name="日期占位符 4">
-            <a:extLst>
-              <a:ext uri="{FF2B5EF4-FFF2-40B4-BE49-F238E27FC236}">
-                <a16:creationId xmlns:a16="http://schemas.microsoft.com/office/drawing/2014/main" id="{9E6D82A4-5AD2-45C9-B68E-A7B076A32426}"/>
-              </a:ext>
-            </a:extLst>
-          </p:cNvPr>
+            <a:endParaRPr lang="zh-CN" altLang="en-US"/>
+          </a:p>
+        </p:txBody>
+      </p:sp>
+      <p:sp>
+        <p:nvSpPr>
+          <p:cNvPr id="5" name="日期占位符 4"/>
           <p:cNvSpPr>
             <a:spLocks noGrp="1"/>
           </p:cNvSpPr>
@@ -2671,7 +2316,6 @@
           <a:p>
             <a:fld id="{648283BF-D07E-4268-AD41-E2A23B7C6AA4}" type="datetimeFigureOut">
               <a:rPr lang="zh-CN" altLang="en-US" smtClean="0"/>
-              <a:t>2020/5/12</a:t>
             </a:fld>
             <a:endParaRPr lang="zh-CN" altLang="en-US"/>
           </a:p>
@@ -2679,13 +2323,7 @@
       </p:sp>
       <p:sp>
         <p:nvSpPr>
-          <p:cNvPr id="6" name="页脚占位符 5">
-            <a:extLst>
-              <a:ext uri="{FF2B5EF4-FFF2-40B4-BE49-F238E27FC236}">
-                <a16:creationId xmlns:a16="http://schemas.microsoft.com/office/drawing/2014/main" id="{898AFC96-55FF-48D5-9126-860CBBB22283}"/>
-              </a:ext>
-            </a:extLst>
-          </p:cNvPr>
+          <p:cNvPr id="6" name="页脚占位符 5"/>
           <p:cNvSpPr>
             <a:spLocks noGrp="1"/>
           </p:cNvSpPr>
@@ -2704,13 +2342,7 @@
       </p:sp>
       <p:sp>
         <p:nvSpPr>
-          <p:cNvPr id="7" name="灯片编号占位符 6">
-            <a:extLst>
-              <a:ext uri="{FF2B5EF4-FFF2-40B4-BE49-F238E27FC236}">
-                <a16:creationId xmlns:a16="http://schemas.microsoft.com/office/drawing/2014/main" id="{0EF2D1E6-D0C1-4894-A531-B187D595C1B0}"/>
-              </a:ext>
-            </a:extLst>
-          </p:cNvPr>
+          <p:cNvPr id="7" name="灯片编号占位符 6"/>
           <p:cNvSpPr>
             <a:spLocks noGrp="1"/>
           </p:cNvSpPr>
@@ -2725,18 +2357,12 @@
           <a:p>
             <a:fld id="{D850DF63-7A21-4723-B08D-05FB12BE7CA6}" type="slidenum">
               <a:rPr lang="zh-CN" altLang="en-US" smtClean="0"/>
-              <a:t>‹#›</a:t>
             </a:fld>
             <a:endParaRPr lang="zh-CN" altLang="en-US"/>
           </a:p>
         </p:txBody>
       </p:sp>
     </p:spTree>
-    <p:extLst>
-      <p:ext uri="{BB962C8B-B14F-4D97-AF65-F5344CB8AC3E}">
-        <p14:creationId xmlns:p14="http://schemas.microsoft.com/office/powerpoint/2010/main" val="624739205"/>
-      </p:ext>
-    </p:extLst>
   </p:cSld>
   <p:clrMapOvr>
     <a:masterClrMapping/>
@@ -2768,13 +2394,7 @@
       </p:grpSpPr>
       <p:sp>
         <p:nvSpPr>
-          <p:cNvPr id="2" name="标题占位符 1">
-            <a:extLst>
-              <a:ext uri="{FF2B5EF4-FFF2-40B4-BE49-F238E27FC236}">
-                <a16:creationId xmlns:a16="http://schemas.microsoft.com/office/drawing/2014/main" id="{934C8044-176A-4DB5-A519-DA0A313658B7}"/>
-              </a:ext>
-            </a:extLst>
-          </p:cNvPr>
+          <p:cNvPr id="2" name="标题占位符 1"/>
           <p:cNvSpPr>
             <a:spLocks noGrp="1"/>
           </p:cNvSpPr>
@@ -2801,18 +2421,13 @@
               <a:rPr lang="zh-CN" altLang="en-US"/>
               <a:t>单击此处编辑母版标题样式</a:t>
             </a:r>
-          </a:p>
-        </p:txBody>
-      </p:sp>
-      <p:sp>
-        <p:nvSpPr>
-          <p:cNvPr id="3" name="文本占位符 2">
-            <a:extLst>
-              <a:ext uri="{FF2B5EF4-FFF2-40B4-BE49-F238E27FC236}">
-                <a16:creationId xmlns:a16="http://schemas.microsoft.com/office/drawing/2014/main" id="{DC7D7B51-6A65-491A-A8C7-A6643DC14268}"/>
-              </a:ext>
-            </a:extLst>
-          </p:cNvPr>
+            <a:endParaRPr lang="zh-CN" altLang="en-US"/>
+          </a:p>
+        </p:txBody>
+      </p:sp>
+      <p:sp>
+        <p:nvSpPr>
+          <p:cNvPr id="3" name="文本占位符 2"/>
           <p:cNvSpPr>
             <a:spLocks noGrp="1"/>
           </p:cNvSpPr>
@@ -2840,6 +2455,7 @@
               <a:rPr lang="zh-CN" altLang="en-US"/>
               <a:t>单击此处编辑母版文本样式</a:t>
             </a:r>
+            <a:endParaRPr lang="zh-CN" altLang="en-US"/>
           </a:p>
           <a:p>
             <a:pPr lvl="1"/>
@@ -2847,6 +2463,7 @@
               <a:rPr lang="zh-CN" altLang="en-US"/>
               <a:t>二级</a:t>
             </a:r>
+            <a:endParaRPr lang="zh-CN" altLang="en-US"/>
           </a:p>
           <a:p>
             <a:pPr lvl="2"/>
@@ -2854,6 +2471,7 @@
               <a:rPr lang="zh-CN" altLang="en-US"/>
               <a:t>三级</a:t>
             </a:r>
+            <a:endParaRPr lang="zh-CN" altLang="en-US"/>
           </a:p>
           <a:p>
             <a:pPr lvl="3"/>
@@ -2861,6 +2479,7 @@
               <a:rPr lang="zh-CN" altLang="en-US"/>
               <a:t>四级</a:t>
             </a:r>
+            <a:endParaRPr lang="zh-CN" altLang="en-US"/>
           </a:p>
           <a:p>
             <a:pPr lvl="4"/>
@@ -2868,18 +2487,13 @@
               <a:rPr lang="zh-CN" altLang="en-US"/>
               <a:t>五级</a:t>
             </a:r>
-          </a:p>
-        </p:txBody>
-      </p:sp>
-      <p:sp>
-        <p:nvSpPr>
-          <p:cNvPr id="4" name="日期占位符 3">
-            <a:extLst>
-              <a:ext uri="{FF2B5EF4-FFF2-40B4-BE49-F238E27FC236}">
-                <a16:creationId xmlns:a16="http://schemas.microsoft.com/office/drawing/2014/main" id="{40F37558-AC5E-488E-BE9A-9570C3B62AF2}"/>
-              </a:ext>
-            </a:extLst>
-          </p:cNvPr>
+            <a:endParaRPr lang="zh-CN" altLang="en-US"/>
+          </a:p>
+        </p:txBody>
+      </p:sp>
+      <p:sp>
+        <p:nvSpPr>
+          <p:cNvPr id="4" name="日期占位符 3"/>
           <p:cNvSpPr>
             <a:spLocks noGrp="1"/>
           </p:cNvSpPr>
@@ -2912,7 +2526,6 @@
           <a:p>
             <a:fld id="{648283BF-D07E-4268-AD41-E2A23B7C6AA4}" type="datetimeFigureOut">
               <a:rPr lang="zh-CN" altLang="en-US" smtClean="0"/>
-              <a:t>2020/5/12</a:t>
             </a:fld>
             <a:endParaRPr lang="zh-CN" altLang="en-US"/>
           </a:p>
@@ -2920,13 +2533,7 @@
       </p:sp>
       <p:sp>
         <p:nvSpPr>
-          <p:cNvPr id="5" name="页脚占位符 4">
-            <a:extLst>
-              <a:ext uri="{FF2B5EF4-FFF2-40B4-BE49-F238E27FC236}">
-                <a16:creationId xmlns:a16="http://schemas.microsoft.com/office/drawing/2014/main" id="{9950FF53-E509-45CB-9EF2-D5180995A2FF}"/>
-              </a:ext>
-            </a:extLst>
-          </p:cNvPr>
+          <p:cNvPr id="5" name="页脚占位符 4"/>
           <p:cNvSpPr>
             <a:spLocks noGrp="1"/>
           </p:cNvSpPr>
@@ -2963,13 +2570,7 @@
       </p:sp>
       <p:sp>
         <p:nvSpPr>
-          <p:cNvPr id="6" name="灯片编号占位符 5">
-            <a:extLst>
-              <a:ext uri="{FF2B5EF4-FFF2-40B4-BE49-F238E27FC236}">
-                <a16:creationId xmlns:a16="http://schemas.microsoft.com/office/drawing/2014/main" id="{862606CE-D050-4A43-89B0-F1A677E0A955}"/>
-              </a:ext>
-            </a:extLst>
-          </p:cNvPr>
+          <p:cNvPr id="6" name="灯片编号占位符 5"/>
           <p:cNvSpPr>
             <a:spLocks noGrp="1"/>
           </p:cNvSpPr>
@@ -3002,18 +2603,12 @@
           <a:p>
             <a:fld id="{D850DF63-7A21-4723-B08D-05FB12BE7CA6}" type="slidenum">
               <a:rPr lang="zh-CN" altLang="en-US" smtClean="0"/>
-              <a:t>‹#›</a:t>
             </a:fld>
             <a:endParaRPr lang="zh-CN" altLang="en-US"/>
           </a:p>
         </p:txBody>
       </p:sp>
     </p:spTree>
-    <p:extLst>
-      <p:ext uri="{BB962C8B-B14F-4D97-AF65-F5344CB8AC3E}">
-        <p14:creationId xmlns:p14="http://schemas.microsoft.com/office/powerpoint/2010/main" val="3803151890"/>
-      </p:ext>
-    </p:extLst>
   </p:cSld>
   <p:clrMap bg1="lt1" tx1="dk1" bg2="lt2" tx2="dk2" accent1="accent1" accent2="accent2" accent3="accent3" accent4="accent4" accent5="accent5" accent6="accent6" hlink="hlink" folHlink="folHlink"/>
   <p:sldLayoutIdLst>
@@ -3331,13 +2926,7 @@
       </p:grpSpPr>
       <p:sp>
         <p:nvSpPr>
-          <p:cNvPr id="4" name="矩形 3">
-            <a:extLst>
-              <a:ext uri="{FF2B5EF4-FFF2-40B4-BE49-F238E27FC236}">
-                <a16:creationId xmlns:a16="http://schemas.microsoft.com/office/drawing/2014/main" id="{2655873E-2606-4B94-ABED-B6B0801C6B1A}"/>
-              </a:ext>
-            </a:extLst>
-          </p:cNvPr>
+          <p:cNvPr id="4" name="矩形 3"/>
           <p:cNvSpPr/>
           <p:nvPr/>
         </p:nvSpPr>
@@ -3391,13 +2980,7 @@
       </p:sp>
       <p:sp>
         <p:nvSpPr>
-          <p:cNvPr id="7" name="矩形 6">
-            <a:extLst>
-              <a:ext uri="{FF2B5EF4-FFF2-40B4-BE49-F238E27FC236}">
-                <a16:creationId xmlns:a16="http://schemas.microsoft.com/office/drawing/2014/main" id="{51B611E3-C4F1-43DF-9E23-494596A608AF}"/>
-              </a:ext>
-            </a:extLst>
-          </p:cNvPr>
+          <p:cNvPr id="7" name="矩形 6"/>
           <p:cNvSpPr/>
           <p:nvPr/>
         </p:nvSpPr>
@@ -3462,13 +3045,7 @@
       </p:sp>
       <p:sp>
         <p:nvSpPr>
-          <p:cNvPr id="8" name="矩形 7">
-            <a:extLst>
-              <a:ext uri="{FF2B5EF4-FFF2-40B4-BE49-F238E27FC236}">
-                <a16:creationId xmlns:a16="http://schemas.microsoft.com/office/drawing/2014/main" id="{6CC05C76-E435-4E04-A9E2-708BE5FA6EE4}"/>
-              </a:ext>
-            </a:extLst>
-          </p:cNvPr>
+          <p:cNvPr id="8" name="矩形 7"/>
           <p:cNvSpPr/>
           <p:nvPr/>
         </p:nvSpPr>
@@ -3530,13 +3107,7 @@
       </p:sp>
       <p:sp>
         <p:nvSpPr>
-          <p:cNvPr id="9" name="矩形 8">
-            <a:extLst>
-              <a:ext uri="{FF2B5EF4-FFF2-40B4-BE49-F238E27FC236}">
-                <a16:creationId xmlns:a16="http://schemas.microsoft.com/office/drawing/2014/main" id="{D48C6CCD-86B7-4BDC-9A80-906DA8560AA3}"/>
-              </a:ext>
-            </a:extLst>
-          </p:cNvPr>
+          <p:cNvPr id="9" name="矩形 8"/>
           <p:cNvSpPr/>
           <p:nvPr/>
         </p:nvSpPr>
@@ -3597,13 +3168,7 @@
       </p:sp>
       <p:sp>
         <p:nvSpPr>
-          <p:cNvPr id="10" name="矩形 9">
-            <a:extLst>
-              <a:ext uri="{FF2B5EF4-FFF2-40B4-BE49-F238E27FC236}">
-                <a16:creationId xmlns:a16="http://schemas.microsoft.com/office/drawing/2014/main" id="{750CC1CC-1138-4363-B29E-7444729ABF34}"/>
-              </a:ext>
-            </a:extLst>
-          </p:cNvPr>
+          <p:cNvPr id="10" name="矩形 9"/>
           <p:cNvSpPr/>
           <p:nvPr/>
         </p:nvSpPr>
@@ -3665,13 +3230,7 @@
       </p:sp>
       <p:sp>
         <p:nvSpPr>
-          <p:cNvPr id="11" name="矩形 10">
-            <a:extLst>
-              <a:ext uri="{FF2B5EF4-FFF2-40B4-BE49-F238E27FC236}">
-                <a16:creationId xmlns:a16="http://schemas.microsoft.com/office/drawing/2014/main" id="{E2431C62-F66F-40CE-AF1C-92A6913FF31B}"/>
-              </a:ext>
-            </a:extLst>
-          </p:cNvPr>
+          <p:cNvPr id="11" name="矩形 10"/>
           <p:cNvSpPr/>
           <p:nvPr/>
         </p:nvSpPr>
@@ -3732,16 +3291,8 @@
       </p:sp>
       <p:cxnSp>
         <p:nvCxnSpPr>
-          <p:cNvPr id="13" name="直接箭头连接符 12">
-            <a:extLst>
-              <a:ext uri="{FF2B5EF4-FFF2-40B4-BE49-F238E27FC236}">
-                <a16:creationId xmlns:a16="http://schemas.microsoft.com/office/drawing/2014/main" id="{B3E9A91B-55C8-4376-B197-BDCEB8FA104A}"/>
-              </a:ext>
-            </a:extLst>
-          </p:cNvPr>
-          <p:cNvCxnSpPr>
-            <a:cxnSpLocks/>
-          </p:cNvCxnSpPr>
+          <p:cNvPr id="13" name="直接箭头连接符 12"/>
+          <p:cNvCxnSpPr/>
           <p:nvPr/>
         </p:nvCxnSpPr>
         <p:spPr>
@@ -3774,16 +3325,8 @@
       </p:cxnSp>
       <p:cxnSp>
         <p:nvCxnSpPr>
-          <p:cNvPr id="14" name="直接箭头连接符 13">
-            <a:extLst>
-              <a:ext uri="{FF2B5EF4-FFF2-40B4-BE49-F238E27FC236}">
-                <a16:creationId xmlns:a16="http://schemas.microsoft.com/office/drawing/2014/main" id="{3E6A345B-F1D8-4897-B43B-1EC445CF3A2D}"/>
-              </a:ext>
-            </a:extLst>
-          </p:cNvPr>
-          <p:cNvCxnSpPr>
-            <a:cxnSpLocks/>
-          </p:cNvCxnSpPr>
+          <p:cNvPr id="14" name="直接箭头连接符 13"/>
+          <p:cNvCxnSpPr/>
           <p:nvPr/>
         </p:nvCxnSpPr>
         <p:spPr>
@@ -3816,16 +3359,8 @@
       </p:cxnSp>
       <p:cxnSp>
         <p:nvCxnSpPr>
-          <p:cNvPr id="17" name="直接箭头连接符 16">
-            <a:extLst>
-              <a:ext uri="{FF2B5EF4-FFF2-40B4-BE49-F238E27FC236}">
-                <a16:creationId xmlns:a16="http://schemas.microsoft.com/office/drawing/2014/main" id="{86E70CC8-5FF2-4036-91FA-EB05C7A12A29}"/>
-              </a:ext>
-            </a:extLst>
-          </p:cNvPr>
-          <p:cNvCxnSpPr>
-            <a:cxnSpLocks/>
-          </p:cNvCxnSpPr>
+          <p:cNvPr id="17" name="直接箭头连接符 16"/>
+          <p:cNvCxnSpPr/>
           <p:nvPr/>
         </p:nvCxnSpPr>
         <p:spPr>
@@ -3858,16 +3393,8 @@
       </p:cxnSp>
       <p:cxnSp>
         <p:nvCxnSpPr>
-          <p:cNvPr id="20" name="直接箭头连接符 19">
-            <a:extLst>
-              <a:ext uri="{FF2B5EF4-FFF2-40B4-BE49-F238E27FC236}">
-                <a16:creationId xmlns:a16="http://schemas.microsoft.com/office/drawing/2014/main" id="{C529476E-78B0-4668-9208-B6EF487EF7E3}"/>
-              </a:ext>
-            </a:extLst>
-          </p:cNvPr>
-          <p:cNvCxnSpPr>
-            <a:cxnSpLocks/>
-          </p:cNvCxnSpPr>
+          <p:cNvPr id="20" name="直接箭头连接符 19"/>
+          <p:cNvCxnSpPr/>
           <p:nvPr/>
         </p:nvCxnSpPr>
         <p:spPr>
@@ -3900,13 +3427,7 @@
       </p:cxnSp>
       <p:sp>
         <p:nvSpPr>
-          <p:cNvPr id="24" name="文本框 23">
-            <a:extLst>
-              <a:ext uri="{FF2B5EF4-FFF2-40B4-BE49-F238E27FC236}">
-                <a16:creationId xmlns:a16="http://schemas.microsoft.com/office/drawing/2014/main" id="{721E9668-C356-4FBD-975D-A0CA851396DF}"/>
-              </a:ext>
-            </a:extLst>
-          </p:cNvPr>
+          <p:cNvPr id="24" name="文本框 23"/>
           <p:cNvSpPr txBox="1"/>
           <p:nvPr/>
         </p:nvSpPr>
@@ -3942,13 +3463,7 @@
       </p:sp>
       <p:sp>
         <p:nvSpPr>
-          <p:cNvPr id="25" name="文本框 24">
-            <a:extLst>
-              <a:ext uri="{FF2B5EF4-FFF2-40B4-BE49-F238E27FC236}">
-                <a16:creationId xmlns:a16="http://schemas.microsoft.com/office/drawing/2014/main" id="{F72035E2-D7FC-4649-86B0-3C12C5A5486F}"/>
-              </a:ext>
-            </a:extLst>
-          </p:cNvPr>
+          <p:cNvPr id="25" name="文本框 24"/>
           <p:cNvSpPr txBox="1"/>
           <p:nvPr/>
         </p:nvSpPr>
@@ -3984,13 +3499,7 @@
       </p:sp>
       <p:sp>
         <p:nvSpPr>
-          <p:cNvPr id="26" name="矩形 25">
-            <a:extLst>
-              <a:ext uri="{FF2B5EF4-FFF2-40B4-BE49-F238E27FC236}">
-                <a16:creationId xmlns:a16="http://schemas.microsoft.com/office/drawing/2014/main" id="{343647EE-B685-4BFC-837A-D0F5D12C4BB5}"/>
-              </a:ext>
-            </a:extLst>
-          </p:cNvPr>
+          <p:cNvPr id="26" name="矩形 25"/>
           <p:cNvSpPr/>
           <p:nvPr/>
         </p:nvSpPr>
@@ -4055,16 +3564,8 @@
       </p:sp>
       <p:cxnSp>
         <p:nvCxnSpPr>
-          <p:cNvPr id="28" name="直接箭头连接符 27">
-            <a:extLst>
-              <a:ext uri="{FF2B5EF4-FFF2-40B4-BE49-F238E27FC236}">
-                <a16:creationId xmlns:a16="http://schemas.microsoft.com/office/drawing/2014/main" id="{F4809A38-9A95-44D8-9AF9-0A4347688CE6}"/>
-              </a:ext>
-            </a:extLst>
-          </p:cNvPr>
-          <p:cNvCxnSpPr>
-            <a:cxnSpLocks/>
-          </p:cNvCxnSpPr>
+          <p:cNvPr id="28" name="直接箭头连接符 27"/>
+          <p:cNvCxnSpPr/>
           <p:nvPr/>
         </p:nvCxnSpPr>
         <p:spPr>
@@ -4097,16 +3598,8 @@
       </p:cxnSp>
       <p:cxnSp>
         <p:nvCxnSpPr>
-          <p:cNvPr id="29" name="直接箭头连接符 28">
-            <a:extLst>
-              <a:ext uri="{FF2B5EF4-FFF2-40B4-BE49-F238E27FC236}">
-                <a16:creationId xmlns:a16="http://schemas.microsoft.com/office/drawing/2014/main" id="{E0601B99-CC8B-4B00-BEFD-BE1AE63E0546}"/>
-              </a:ext>
-            </a:extLst>
-          </p:cNvPr>
-          <p:cNvCxnSpPr>
-            <a:cxnSpLocks/>
-          </p:cNvCxnSpPr>
+          <p:cNvPr id="29" name="直接箭头连接符 28"/>
+          <p:cNvCxnSpPr/>
           <p:nvPr/>
         </p:nvCxnSpPr>
         <p:spPr>
@@ -4139,13 +3632,7 @@
       </p:cxnSp>
       <p:sp>
         <p:nvSpPr>
-          <p:cNvPr id="30" name="文本框 29">
-            <a:extLst>
-              <a:ext uri="{FF2B5EF4-FFF2-40B4-BE49-F238E27FC236}">
-                <a16:creationId xmlns:a16="http://schemas.microsoft.com/office/drawing/2014/main" id="{9772A8A2-3B4E-4426-AB69-27D97594B56C}"/>
-              </a:ext>
-            </a:extLst>
-          </p:cNvPr>
+          <p:cNvPr id="30" name="文本框 29"/>
           <p:cNvSpPr txBox="1"/>
           <p:nvPr/>
         </p:nvSpPr>
@@ -4181,13 +3668,7 @@
       </p:sp>
       <p:sp>
         <p:nvSpPr>
-          <p:cNvPr id="31" name="文本框 30">
-            <a:extLst>
-              <a:ext uri="{FF2B5EF4-FFF2-40B4-BE49-F238E27FC236}">
-                <a16:creationId xmlns:a16="http://schemas.microsoft.com/office/drawing/2014/main" id="{DE8835B1-CE20-4546-8978-4174344D7B96}"/>
-              </a:ext>
-            </a:extLst>
-          </p:cNvPr>
+          <p:cNvPr id="31" name="文本框 30"/>
           <p:cNvSpPr txBox="1"/>
           <p:nvPr/>
         </p:nvSpPr>
@@ -4223,13 +3704,7 @@
       </p:sp>
       <p:sp>
         <p:nvSpPr>
-          <p:cNvPr id="48" name="矩形 47">
-            <a:extLst>
-              <a:ext uri="{FF2B5EF4-FFF2-40B4-BE49-F238E27FC236}">
-                <a16:creationId xmlns:a16="http://schemas.microsoft.com/office/drawing/2014/main" id="{6BE4FA2E-5F5D-4A3C-A03F-2E5D85F95C0D}"/>
-              </a:ext>
-            </a:extLst>
-          </p:cNvPr>
+          <p:cNvPr id="48" name="矩形 47"/>
           <p:cNvSpPr/>
           <p:nvPr/>
         </p:nvSpPr>
@@ -4294,13 +3769,7 @@
       </p:sp>
       <p:sp>
         <p:nvSpPr>
-          <p:cNvPr id="49" name="矩形 48">
-            <a:extLst>
-              <a:ext uri="{FF2B5EF4-FFF2-40B4-BE49-F238E27FC236}">
-                <a16:creationId xmlns:a16="http://schemas.microsoft.com/office/drawing/2014/main" id="{0A211716-091E-491F-BBB0-E97F5A8E5542}"/>
-              </a:ext>
-            </a:extLst>
-          </p:cNvPr>
+          <p:cNvPr id="49" name="矩形 48"/>
           <p:cNvSpPr/>
           <p:nvPr/>
         </p:nvSpPr>
@@ -4365,13 +3834,7 @@
       </p:sp>
       <p:sp>
         <p:nvSpPr>
-          <p:cNvPr id="50" name="矩形 49">
-            <a:extLst>
-              <a:ext uri="{FF2B5EF4-FFF2-40B4-BE49-F238E27FC236}">
-                <a16:creationId xmlns:a16="http://schemas.microsoft.com/office/drawing/2014/main" id="{237D6496-BE83-40DE-8AFD-DA7084D6175D}"/>
-              </a:ext>
-            </a:extLst>
-          </p:cNvPr>
+          <p:cNvPr id="50" name="矩形 49"/>
           <p:cNvSpPr/>
           <p:nvPr/>
         </p:nvSpPr>
@@ -4436,13 +3899,84 @@
       </p:sp>
       <p:pic>
         <p:nvPicPr>
-          <p:cNvPr id="65" name="图片 64" descr="图片包含 游戏机&#10;&#10;描述已自动生成">
+          <p:cNvPr id="65" name="图片 64" descr="图片包含 游戏机&#10;&#10;描述已自动生成"/>
+          <p:cNvPicPr>
+            <a:picLocks noChangeAspect="1"/>
+          </p:cNvPicPr>
+          <p:nvPr/>
+        </p:nvPicPr>
+        <p:blipFill>
+          <a:blip r:embed="rId1">
             <a:extLst>
-              <a:ext uri="{FF2B5EF4-FFF2-40B4-BE49-F238E27FC236}">
-                <a16:creationId xmlns:a16="http://schemas.microsoft.com/office/drawing/2014/main" id="{965FD7A2-043F-47B1-8F50-673CAFB89D12}"/>
+              <a:ext uri="{28A0092B-C50C-407E-A947-70E740481C1C}">
+                <a14:useLocalDpi xmlns:a14="http://schemas.microsoft.com/office/drawing/2010/main" val="0"/>
               </a:ext>
             </a:extLst>
-          </p:cNvPr>
+          </a:blip>
+          <a:stretch>
+            <a:fillRect/>
+          </a:stretch>
+        </p:blipFill>
+        <p:spPr>
+          <a:xfrm>
+            <a:off x="654174" y="3263566"/>
+            <a:ext cx="1698382" cy="1698382"/>
+          </a:xfrm>
+          <a:prstGeom prst="rect">
+            <a:avLst/>
+          </a:prstGeom>
+        </p:spPr>
+      </p:pic>
+      <p:sp>
+        <p:nvSpPr>
+          <p:cNvPr id="66" name="箭头: 左 65"/>
+          <p:cNvSpPr/>
+          <p:nvPr/>
+        </p:nvSpPr>
+        <p:spPr>
+          <a:xfrm>
+            <a:off x="2939068" y="4128799"/>
+            <a:ext cx="647084" cy="189330"/>
+          </a:xfrm>
+          <a:prstGeom prst="leftArrow">
+            <a:avLst/>
+          </a:prstGeom>
+          <a:noFill/>
+          <a:ln w="19050">
+            <a:solidFill>
+              <a:schemeClr val="tx1"/>
+            </a:solidFill>
+            <a:prstDash val="solid"/>
+          </a:ln>
+        </p:spPr>
+        <p:style>
+          <a:lnRef idx="2">
+            <a:schemeClr val="accent1">
+              <a:shade val="50000"/>
+            </a:schemeClr>
+          </a:lnRef>
+          <a:fillRef idx="1">
+            <a:schemeClr val="accent1"/>
+          </a:fillRef>
+          <a:effectRef idx="0">
+            <a:schemeClr val="accent1"/>
+          </a:effectRef>
+          <a:fontRef idx="minor">
+            <a:schemeClr val="lt1"/>
+          </a:fontRef>
+        </p:style>
+        <p:txBody>
+          <a:bodyPr rtlCol="0" anchor="ctr"/>
+          <a:lstStyle/>
+          <a:p>
+            <a:pPr algn="ctr"/>
+            <a:endParaRPr lang="zh-CN" altLang="en-US"/>
+          </a:p>
+        </p:txBody>
+      </p:sp>
+      <p:pic>
+        <p:nvPicPr>
+          <p:cNvPr id="68" name="图片 67" descr="图片包含 游戏机, 电子, 电路&#10;&#10;描述已自动生成"/>
           <p:cNvPicPr>
             <a:picLocks noChangeAspect="1"/>
           </p:cNvPicPr>
@@ -4462,8 +3996,8 @@
         </p:blipFill>
         <p:spPr>
           <a:xfrm>
-            <a:off x="654174" y="3263566"/>
-            <a:ext cx="1698382" cy="1698382"/>
+            <a:off x="565273" y="840820"/>
+            <a:ext cx="2033156" cy="1658716"/>
           </a:xfrm>
           <a:prstGeom prst="rect">
             <a:avLst/>
@@ -4472,19 +4006,13 @@
       </p:pic>
       <p:sp>
         <p:nvSpPr>
-          <p:cNvPr id="66" name="箭头: 左 65">
-            <a:extLst>
-              <a:ext uri="{FF2B5EF4-FFF2-40B4-BE49-F238E27FC236}">
-                <a16:creationId xmlns:a16="http://schemas.microsoft.com/office/drawing/2014/main" id="{A0369811-60FB-4D47-9774-CC673FFB9915}"/>
-              </a:ext>
-            </a:extLst>
-          </p:cNvPr>
+          <p:cNvPr id="69" name="箭头: 左 68"/>
           <p:cNvSpPr/>
           <p:nvPr/>
         </p:nvSpPr>
         <p:spPr>
           <a:xfrm>
-            <a:off x="2939068" y="4128799"/>
+            <a:off x="2974756" y="1526923"/>
             <a:ext cx="647084" cy="189330"/>
           </a:xfrm>
           <a:prstGeom prst="leftArrow">
@@ -4525,13 +4053,7 @@
       </p:sp>
       <p:pic>
         <p:nvPicPr>
-          <p:cNvPr id="68" name="图片 67" descr="图片包含 游戏机, 电子, 电路&#10;&#10;描述已自动生成">
-            <a:extLst>
-              <a:ext uri="{FF2B5EF4-FFF2-40B4-BE49-F238E27FC236}">
-                <a16:creationId xmlns:a16="http://schemas.microsoft.com/office/drawing/2014/main" id="{81A195D8-F694-4D00-9A3F-5FFB167D7E13}"/>
-              </a:ext>
-            </a:extLst>
-          </p:cNvPr>
+          <p:cNvPr id="71" name="图片 70"/>
           <p:cNvPicPr>
             <a:picLocks noChangeAspect="1"/>
           </p:cNvPicPr>
@@ -4540,103 +4062,14 @@
         <p:blipFill>
           <a:blip r:embed="rId3">
             <a:extLst>
-              <a:ext uri="{28A0092B-C50C-407E-A947-70E740481C1C}">
-                <a14:useLocalDpi xmlns:a14="http://schemas.microsoft.com/office/drawing/2010/main" val="0"/>
-              </a:ext>
-            </a:extLst>
-          </a:blip>
-          <a:stretch>
-            <a:fillRect/>
-          </a:stretch>
-        </p:blipFill>
-        <p:spPr>
-          <a:xfrm>
-            <a:off x="565273" y="840820"/>
-            <a:ext cx="2033156" cy="1658716"/>
-          </a:xfrm>
-          <a:prstGeom prst="rect">
-            <a:avLst/>
-          </a:prstGeom>
-        </p:spPr>
-      </p:pic>
-      <p:sp>
-        <p:nvSpPr>
-          <p:cNvPr id="69" name="箭头: 左 68">
-            <a:extLst>
-              <a:ext uri="{FF2B5EF4-FFF2-40B4-BE49-F238E27FC236}">
-                <a16:creationId xmlns:a16="http://schemas.microsoft.com/office/drawing/2014/main" id="{90D451CC-2471-4707-A193-A37B88A68CE4}"/>
-              </a:ext>
-            </a:extLst>
-          </p:cNvPr>
-          <p:cNvSpPr/>
-          <p:nvPr/>
-        </p:nvSpPr>
-        <p:spPr>
-          <a:xfrm>
-            <a:off x="2974756" y="1526923"/>
-            <a:ext cx="647084" cy="189330"/>
-          </a:xfrm>
-          <a:prstGeom prst="leftArrow">
-            <a:avLst/>
-          </a:prstGeom>
-          <a:noFill/>
-          <a:ln w="19050">
-            <a:solidFill>
-              <a:schemeClr val="tx1"/>
-            </a:solidFill>
-            <a:prstDash val="solid"/>
-          </a:ln>
-        </p:spPr>
-        <p:style>
-          <a:lnRef idx="2">
-            <a:schemeClr val="accent1">
-              <a:shade val="50000"/>
-            </a:schemeClr>
-          </a:lnRef>
-          <a:fillRef idx="1">
-            <a:schemeClr val="accent1"/>
-          </a:fillRef>
-          <a:effectRef idx="0">
-            <a:schemeClr val="accent1"/>
-          </a:effectRef>
-          <a:fontRef idx="minor">
-            <a:schemeClr val="lt1"/>
-          </a:fontRef>
-        </p:style>
-        <p:txBody>
-          <a:bodyPr rtlCol="0" anchor="ctr"/>
-          <a:lstStyle/>
-          <a:p>
-            <a:pPr algn="ctr"/>
-            <a:endParaRPr lang="zh-CN" altLang="en-US"/>
-          </a:p>
-        </p:txBody>
-      </p:sp>
-      <p:pic>
-        <p:nvPicPr>
-          <p:cNvPr id="71" name="图片 70">
-            <a:extLst>
-              <a:ext uri="{FF2B5EF4-FFF2-40B4-BE49-F238E27FC236}">
-                <a16:creationId xmlns:a16="http://schemas.microsoft.com/office/drawing/2014/main" id="{B584FBCB-210D-4284-9B57-8D40A425303E}"/>
-              </a:ext>
-            </a:extLst>
-          </p:cNvPr>
-          <p:cNvPicPr>
-            <a:picLocks noChangeAspect="1"/>
-          </p:cNvPicPr>
-          <p:nvPr/>
-        </p:nvPicPr>
-        <p:blipFill>
-          <a:blip r:embed="rId4">
-            <a:extLst>
               <a:ext uri="{BEBA8EAE-BF5A-486C-A8C5-ECC9F3942E4B}">
                 <a14:imgProps xmlns:a14="http://schemas.microsoft.com/office/drawing/2010/main">
-                  <a14:imgLayer r:embed="rId5">
+                  <a14:imgLayer r:embed="rId4">
+                    <a14:imgEffect>
+                      <a14:brightnessContrast bright="4000" contrast="-40000"/>
+                    </a14:imgEffect>
                     <a14:imgEffect>
                       <a14:sharpenSoften amount="7000"/>
-                    </a14:imgEffect>
-                    <a14:imgEffect>
-                      <a14:brightnessContrast bright="4000" contrast="-40000"/>
                     </a14:imgEffect>
                   </a14:imgLayer>
                 </a14:imgProps>
@@ -4662,13 +4095,7 @@
       </p:pic>
       <p:sp>
         <p:nvSpPr>
-          <p:cNvPr id="72" name="箭头: 左 71">
-            <a:extLst>
-              <a:ext uri="{FF2B5EF4-FFF2-40B4-BE49-F238E27FC236}">
-                <a16:creationId xmlns:a16="http://schemas.microsoft.com/office/drawing/2014/main" id="{24DED948-7452-49BB-BFBE-EFACD0DB3F45}"/>
-              </a:ext>
-            </a:extLst>
-          </p:cNvPr>
+          <p:cNvPr id="72" name="箭头: 左 71"/>
           <p:cNvSpPr/>
           <p:nvPr/>
         </p:nvSpPr>
@@ -4714,11 +4141,6 @@
         </p:txBody>
       </p:sp>
     </p:spTree>
-    <p:extLst>
-      <p:ext uri="{BB962C8B-B14F-4D97-AF65-F5344CB8AC3E}">
-        <p14:creationId xmlns:p14="http://schemas.microsoft.com/office/powerpoint/2010/main" val="785552109"/>
-      </p:ext>
-    </p:extLst>
   </p:cSld>
   <p:clrMapOvr>
     <a:masterClrMapping/>
@@ -4745,13 +4167,7 @@
       </p:grpSpPr>
       <p:sp>
         <p:nvSpPr>
-          <p:cNvPr id="72" name="矩形 71">
-            <a:extLst>
-              <a:ext uri="{FF2B5EF4-FFF2-40B4-BE49-F238E27FC236}">
-                <a16:creationId xmlns:a16="http://schemas.microsoft.com/office/drawing/2014/main" id="{E47B1459-3113-4F22-8111-A30DB1BDDF12}"/>
-              </a:ext>
-            </a:extLst>
-          </p:cNvPr>
+          <p:cNvPr id="72" name="矩形 71"/>
           <p:cNvSpPr/>
           <p:nvPr/>
         </p:nvSpPr>
@@ -4801,13 +4217,7 @@
       </p:sp>
       <p:sp>
         <p:nvSpPr>
-          <p:cNvPr id="6" name="矩形 5">
-            <a:extLst>
-              <a:ext uri="{FF2B5EF4-FFF2-40B4-BE49-F238E27FC236}">
-                <a16:creationId xmlns:a16="http://schemas.microsoft.com/office/drawing/2014/main" id="{DB12AC9E-EE27-4316-9A39-9147745E84F8}"/>
-              </a:ext>
-            </a:extLst>
-          </p:cNvPr>
+          <p:cNvPr id="6" name="矩形 5"/>
           <p:cNvSpPr/>
           <p:nvPr/>
         </p:nvSpPr>
@@ -4861,13 +4271,7 @@
       </p:sp>
       <p:sp>
         <p:nvSpPr>
-          <p:cNvPr id="7" name="矩形 6">
-            <a:extLst>
-              <a:ext uri="{FF2B5EF4-FFF2-40B4-BE49-F238E27FC236}">
-                <a16:creationId xmlns:a16="http://schemas.microsoft.com/office/drawing/2014/main" id="{469E4611-BD42-4845-8F52-C831CA8BB49E}"/>
-              </a:ext>
-            </a:extLst>
-          </p:cNvPr>
+          <p:cNvPr id="7" name="矩形 6"/>
           <p:cNvSpPr/>
           <p:nvPr/>
         </p:nvSpPr>
@@ -4929,13 +4333,7 @@
       </p:sp>
       <p:sp>
         <p:nvSpPr>
-          <p:cNvPr id="8" name="矩形 7">
-            <a:extLst>
-              <a:ext uri="{FF2B5EF4-FFF2-40B4-BE49-F238E27FC236}">
-                <a16:creationId xmlns:a16="http://schemas.microsoft.com/office/drawing/2014/main" id="{01CB9311-70CB-4264-B807-12C6BC17D8F3}"/>
-              </a:ext>
-            </a:extLst>
-          </p:cNvPr>
+          <p:cNvPr id="8" name="矩形 7"/>
           <p:cNvSpPr/>
           <p:nvPr/>
         </p:nvSpPr>
@@ -4996,13 +4394,7 @@
       </p:sp>
       <p:sp>
         <p:nvSpPr>
-          <p:cNvPr id="9" name="矩形 8">
-            <a:extLst>
-              <a:ext uri="{FF2B5EF4-FFF2-40B4-BE49-F238E27FC236}">
-                <a16:creationId xmlns:a16="http://schemas.microsoft.com/office/drawing/2014/main" id="{7F173D8C-89F1-43D2-8FE3-8A080F680171}"/>
-              </a:ext>
-            </a:extLst>
-          </p:cNvPr>
+          <p:cNvPr id="9" name="矩形 8"/>
           <p:cNvSpPr/>
           <p:nvPr/>
         </p:nvSpPr>
@@ -5064,13 +4456,7 @@
       </p:sp>
       <p:sp>
         <p:nvSpPr>
-          <p:cNvPr id="10" name="矩形 9">
-            <a:extLst>
-              <a:ext uri="{FF2B5EF4-FFF2-40B4-BE49-F238E27FC236}">
-                <a16:creationId xmlns:a16="http://schemas.microsoft.com/office/drawing/2014/main" id="{5763A908-2E7B-4D25-81D5-366B59FC1ED1}"/>
-              </a:ext>
-            </a:extLst>
-          </p:cNvPr>
+          <p:cNvPr id="10" name="矩形 9"/>
           <p:cNvSpPr/>
           <p:nvPr/>
         </p:nvSpPr>
@@ -5131,16 +4517,8 @@
       </p:sp>
       <p:cxnSp>
         <p:nvCxnSpPr>
-          <p:cNvPr id="11" name="直接箭头连接符 10">
-            <a:extLst>
-              <a:ext uri="{FF2B5EF4-FFF2-40B4-BE49-F238E27FC236}">
-                <a16:creationId xmlns:a16="http://schemas.microsoft.com/office/drawing/2014/main" id="{3737A705-A52B-4A78-946C-478F78F231F1}"/>
-              </a:ext>
-            </a:extLst>
-          </p:cNvPr>
-          <p:cNvCxnSpPr>
-            <a:cxnSpLocks/>
-          </p:cNvCxnSpPr>
+          <p:cNvPr id="11" name="直接箭头连接符 10"/>
+          <p:cNvCxnSpPr/>
           <p:nvPr/>
         </p:nvCxnSpPr>
         <p:spPr>
@@ -5173,16 +4551,8 @@
       </p:cxnSp>
       <p:cxnSp>
         <p:nvCxnSpPr>
-          <p:cNvPr id="12" name="直接箭头连接符 11">
-            <a:extLst>
-              <a:ext uri="{FF2B5EF4-FFF2-40B4-BE49-F238E27FC236}">
-                <a16:creationId xmlns:a16="http://schemas.microsoft.com/office/drawing/2014/main" id="{53C0F65F-65AC-49F1-B2DB-3AEF5EF3A758}"/>
-              </a:ext>
-            </a:extLst>
-          </p:cNvPr>
-          <p:cNvCxnSpPr>
-            <a:cxnSpLocks/>
-          </p:cNvCxnSpPr>
+          <p:cNvPr id="12" name="直接箭头连接符 11"/>
+          <p:cNvCxnSpPr/>
           <p:nvPr/>
         </p:nvCxnSpPr>
         <p:spPr>
@@ -5215,13 +4585,7 @@
       </p:cxnSp>
       <p:sp>
         <p:nvSpPr>
-          <p:cNvPr id="13" name="矩形 12">
-            <a:extLst>
-              <a:ext uri="{FF2B5EF4-FFF2-40B4-BE49-F238E27FC236}">
-                <a16:creationId xmlns:a16="http://schemas.microsoft.com/office/drawing/2014/main" id="{BB6000A8-36EE-43F5-9201-B77C583B38FE}"/>
-              </a:ext>
-            </a:extLst>
-          </p:cNvPr>
+          <p:cNvPr id="13" name="矩形 12"/>
           <p:cNvSpPr/>
           <p:nvPr/>
         </p:nvSpPr>
@@ -5286,13 +4650,7 @@
       </p:sp>
       <p:sp>
         <p:nvSpPr>
-          <p:cNvPr id="18" name="矩形 17">
-            <a:extLst>
-              <a:ext uri="{FF2B5EF4-FFF2-40B4-BE49-F238E27FC236}">
-                <a16:creationId xmlns:a16="http://schemas.microsoft.com/office/drawing/2014/main" id="{388DC8BD-FB0D-4137-8232-A7C4EECE28EB}"/>
-              </a:ext>
-            </a:extLst>
-          </p:cNvPr>
+          <p:cNvPr id="18" name="矩形 17"/>
           <p:cNvSpPr/>
           <p:nvPr/>
         </p:nvSpPr>
@@ -5346,13 +4704,7 @@
       </p:sp>
       <p:sp>
         <p:nvSpPr>
-          <p:cNvPr id="19" name="矩形 18">
-            <a:extLst>
-              <a:ext uri="{FF2B5EF4-FFF2-40B4-BE49-F238E27FC236}">
-                <a16:creationId xmlns:a16="http://schemas.microsoft.com/office/drawing/2014/main" id="{01E2EFAD-F1E0-40D7-B096-97D17298F946}"/>
-              </a:ext>
-            </a:extLst>
-          </p:cNvPr>
+          <p:cNvPr id="19" name="矩形 18"/>
           <p:cNvSpPr/>
           <p:nvPr/>
         </p:nvSpPr>
@@ -5414,13 +4766,7 @@
       </p:sp>
       <p:sp>
         <p:nvSpPr>
-          <p:cNvPr id="21" name="矩形 20">
-            <a:extLst>
-              <a:ext uri="{FF2B5EF4-FFF2-40B4-BE49-F238E27FC236}">
-                <a16:creationId xmlns:a16="http://schemas.microsoft.com/office/drawing/2014/main" id="{3DA0F535-DD68-4F22-BE28-B81F22E2FA50}"/>
-              </a:ext>
-            </a:extLst>
-          </p:cNvPr>
+          <p:cNvPr id="21" name="矩形 20"/>
           <p:cNvSpPr/>
           <p:nvPr/>
         </p:nvSpPr>
@@ -5482,13 +4828,7 @@
       </p:sp>
       <p:sp>
         <p:nvSpPr>
-          <p:cNvPr id="25" name="矩形 24">
-            <a:extLst>
-              <a:ext uri="{FF2B5EF4-FFF2-40B4-BE49-F238E27FC236}">
-                <a16:creationId xmlns:a16="http://schemas.microsoft.com/office/drawing/2014/main" id="{EDB7AD01-65A7-401B-9A78-DC41E98EA21C}"/>
-              </a:ext>
-            </a:extLst>
-          </p:cNvPr>
+          <p:cNvPr id="25" name="矩形 24"/>
           <p:cNvSpPr/>
           <p:nvPr/>
         </p:nvSpPr>
@@ -5553,13 +4893,7 @@
       </p:sp>
       <p:sp>
         <p:nvSpPr>
-          <p:cNvPr id="27" name="文本框 26">
-            <a:extLst>
-              <a:ext uri="{FF2B5EF4-FFF2-40B4-BE49-F238E27FC236}">
-                <a16:creationId xmlns:a16="http://schemas.microsoft.com/office/drawing/2014/main" id="{20810F7C-8E21-4E37-BA08-6F28492E77B5}"/>
-              </a:ext>
-            </a:extLst>
-          </p:cNvPr>
+          <p:cNvPr id="27" name="文本框 26"/>
           <p:cNvSpPr txBox="1"/>
           <p:nvPr/>
         </p:nvSpPr>
@@ -5605,13 +4939,7 @@
       </p:sp>
       <p:sp>
         <p:nvSpPr>
-          <p:cNvPr id="28" name="矩形 27">
-            <a:extLst>
-              <a:ext uri="{FF2B5EF4-FFF2-40B4-BE49-F238E27FC236}">
-                <a16:creationId xmlns:a16="http://schemas.microsoft.com/office/drawing/2014/main" id="{29DE2CB5-ACC2-4B0B-992A-E82B172FE733}"/>
-              </a:ext>
-            </a:extLst>
-          </p:cNvPr>
+          <p:cNvPr id="28" name="矩形 27"/>
           <p:cNvSpPr/>
           <p:nvPr/>
         </p:nvSpPr>
@@ -5665,13 +4993,7 @@
       </p:sp>
       <p:sp>
         <p:nvSpPr>
-          <p:cNvPr id="31" name="矩形 30">
-            <a:extLst>
-              <a:ext uri="{FF2B5EF4-FFF2-40B4-BE49-F238E27FC236}">
-                <a16:creationId xmlns:a16="http://schemas.microsoft.com/office/drawing/2014/main" id="{6E583FF3-D8C8-4375-AD61-5BBFD8E64975}"/>
-              </a:ext>
-            </a:extLst>
-          </p:cNvPr>
+          <p:cNvPr id="31" name="矩形 30"/>
           <p:cNvSpPr/>
           <p:nvPr/>
         </p:nvSpPr>
@@ -5736,13 +5058,7 @@
       </p:sp>
       <p:sp>
         <p:nvSpPr>
-          <p:cNvPr id="40" name="文本框 39">
-            <a:extLst>
-              <a:ext uri="{FF2B5EF4-FFF2-40B4-BE49-F238E27FC236}">
-                <a16:creationId xmlns:a16="http://schemas.microsoft.com/office/drawing/2014/main" id="{9CF2D416-A112-4C64-9E7D-06EEA61A52E2}"/>
-              </a:ext>
-            </a:extLst>
-          </p:cNvPr>
+          <p:cNvPr id="40" name="文本框 39"/>
           <p:cNvSpPr txBox="1"/>
           <p:nvPr/>
         </p:nvSpPr>
@@ -5788,13 +5104,7 @@
       </p:sp>
       <p:sp>
         <p:nvSpPr>
-          <p:cNvPr id="48" name="文本框 47">
-            <a:extLst>
-              <a:ext uri="{FF2B5EF4-FFF2-40B4-BE49-F238E27FC236}">
-                <a16:creationId xmlns:a16="http://schemas.microsoft.com/office/drawing/2014/main" id="{B2972BF9-3E66-4A8A-B404-A0D081E17C8B}"/>
-              </a:ext>
-            </a:extLst>
-          </p:cNvPr>
+          <p:cNvPr id="48" name="文本框 47"/>
           <p:cNvSpPr txBox="1"/>
           <p:nvPr/>
         </p:nvSpPr>
@@ -5840,13 +5150,7 @@
       </p:sp>
       <p:sp>
         <p:nvSpPr>
-          <p:cNvPr id="49" name="矩形 48">
-            <a:extLst>
-              <a:ext uri="{FF2B5EF4-FFF2-40B4-BE49-F238E27FC236}">
-                <a16:creationId xmlns:a16="http://schemas.microsoft.com/office/drawing/2014/main" id="{44989920-3A13-4BFE-B420-51A847473552}"/>
-              </a:ext>
-            </a:extLst>
-          </p:cNvPr>
+          <p:cNvPr id="49" name="矩形 48"/>
           <p:cNvSpPr/>
           <p:nvPr/>
         </p:nvSpPr>
@@ -5900,13 +5204,7 @@
       </p:sp>
       <p:sp>
         <p:nvSpPr>
-          <p:cNvPr id="50" name="矩形 49">
-            <a:extLst>
-              <a:ext uri="{FF2B5EF4-FFF2-40B4-BE49-F238E27FC236}">
-                <a16:creationId xmlns:a16="http://schemas.microsoft.com/office/drawing/2014/main" id="{9DD33C4E-7040-41FC-AB31-F5F7395BD6BE}"/>
-              </a:ext>
-            </a:extLst>
-          </p:cNvPr>
+          <p:cNvPr id="50" name="矩形 49"/>
           <p:cNvSpPr/>
           <p:nvPr/>
         </p:nvSpPr>
@@ -5971,13 +5269,7 @@
       </p:sp>
       <p:cxnSp>
         <p:nvCxnSpPr>
-          <p:cNvPr id="54" name="连接符: 肘形 53">
-            <a:extLst>
-              <a:ext uri="{FF2B5EF4-FFF2-40B4-BE49-F238E27FC236}">
-                <a16:creationId xmlns:a16="http://schemas.microsoft.com/office/drawing/2014/main" id="{7F646A62-3C8F-4FD8-A947-4EDEF829C1B6}"/>
-              </a:ext>
-            </a:extLst>
-          </p:cNvPr>
+          <p:cNvPr id="54" name="连接符: 肘形 53"/>
           <p:cNvCxnSpPr>
             <a:stCxn id="40" idx="3"/>
             <a:endCxn id="19" idx="1"/>
@@ -6021,13 +5313,7 @@
       </p:cxnSp>
       <p:cxnSp>
         <p:nvCxnSpPr>
-          <p:cNvPr id="56" name="连接符: 肘形 55">
-            <a:extLst>
-              <a:ext uri="{FF2B5EF4-FFF2-40B4-BE49-F238E27FC236}">
-                <a16:creationId xmlns:a16="http://schemas.microsoft.com/office/drawing/2014/main" id="{B2C05271-6319-4918-AA99-36C1B7FE732A}"/>
-              </a:ext>
-            </a:extLst>
-          </p:cNvPr>
+          <p:cNvPr id="56" name="连接符: 肘形 55"/>
           <p:cNvCxnSpPr>
             <a:stCxn id="49" idx="3"/>
             <a:endCxn id="19" idx="1"/>
@@ -6073,15 +5359,8 @@
       </p:cxnSp>
       <p:cxnSp>
         <p:nvCxnSpPr>
-          <p:cNvPr id="58" name="直接箭头连接符 57">
-            <a:extLst>
-              <a:ext uri="{FF2B5EF4-FFF2-40B4-BE49-F238E27FC236}">
-                <a16:creationId xmlns:a16="http://schemas.microsoft.com/office/drawing/2014/main" id="{793A934F-8259-4EAB-A89D-E89919BFB605}"/>
-              </a:ext>
-            </a:extLst>
-          </p:cNvPr>
+          <p:cNvPr id="58" name="直接箭头连接符 57"/>
           <p:cNvCxnSpPr>
-            <a:cxnSpLocks/>
             <a:stCxn id="28" idx="3"/>
             <a:endCxn id="21" idx="1"/>
           </p:cNvCxnSpPr>
@@ -6124,13 +5403,7 @@
       </p:cxnSp>
       <p:sp>
         <p:nvSpPr>
-          <p:cNvPr id="35" name="文本框 34">
-            <a:extLst>
-              <a:ext uri="{FF2B5EF4-FFF2-40B4-BE49-F238E27FC236}">
-                <a16:creationId xmlns:a16="http://schemas.microsoft.com/office/drawing/2014/main" id="{2814C852-6505-44C5-BFC0-36A580B726FC}"/>
-              </a:ext>
-            </a:extLst>
-          </p:cNvPr>
+          <p:cNvPr id="35" name="文本框 34"/>
           <p:cNvSpPr txBox="1"/>
           <p:nvPr/>
         </p:nvSpPr>
@@ -6176,13 +5449,7 @@
       </p:sp>
       <p:sp>
         <p:nvSpPr>
-          <p:cNvPr id="61" name="矩形 60">
-            <a:extLst>
-              <a:ext uri="{FF2B5EF4-FFF2-40B4-BE49-F238E27FC236}">
-                <a16:creationId xmlns:a16="http://schemas.microsoft.com/office/drawing/2014/main" id="{12655CB4-01D1-420A-8236-326C152C1AE1}"/>
-              </a:ext>
-            </a:extLst>
-          </p:cNvPr>
+          <p:cNvPr id="61" name="矩形 60"/>
           <p:cNvSpPr/>
           <p:nvPr/>
         </p:nvSpPr>
@@ -6242,13 +5509,7 @@
       </p:sp>
       <p:sp>
         <p:nvSpPr>
-          <p:cNvPr id="62" name="矩形 61">
-            <a:extLst>
-              <a:ext uri="{FF2B5EF4-FFF2-40B4-BE49-F238E27FC236}">
-                <a16:creationId xmlns:a16="http://schemas.microsoft.com/office/drawing/2014/main" id="{4B0CF8B0-9D5E-4B38-9814-BA381209FA6B}"/>
-              </a:ext>
-            </a:extLst>
-          </p:cNvPr>
+          <p:cNvPr id="62" name="矩形 61"/>
           <p:cNvSpPr/>
           <p:nvPr/>
         </p:nvSpPr>
@@ -6308,13 +5569,7 @@
       </p:sp>
       <p:sp>
         <p:nvSpPr>
-          <p:cNvPr id="63" name="矩形 62">
-            <a:extLst>
-              <a:ext uri="{FF2B5EF4-FFF2-40B4-BE49-F238E27FC236}">
-                <a16:creationId xmlns:a16="http://schemas.microsoft.com/office/drawing/2014/main" id="{41BB2E06-9A34-492E-8A81-E655F5B76A50}"/>
-              </a:ext>
-            </a:extLst>
-          </p:cNvPr>
+          <p:cNvPr id="63" name="矩形 62"/>
           <p:cNvSpPr/>
           <p:nvPr/>
         </p:nvSpPr>
@@ -6374,13 +5629,7 @@
       </p:sp>
       <p:sp>
         <p:nvSpPr>
-          <p:cNvPr id="69" name="矩形 68">
-            <a:extLst>
-              <a:ext uri="{FF2B5EF4-FFF2-40B4-BE49-F238E27FC236}">
-                <a16:creationId xmlns:a16="http://schemas.microsoft.com/office/drawing/2014/main" id="{80CC584F-C670-4A0B-96FB-8D16FE218C10}"/>
-              </a:ext>
-            </a:extLst>
-          </p:cNvPr>
+          <p:cNvPr id="69" name="矩形 68"/>
           <p:cNvSpPr/>
           <p:nvPr/>
         </p:nvSpPr>
@@ -6443,13 +5692,7 @@
       </p:sp>
       <p:sp>
         <p:nvSpPr>
-          <p:cNvPr id="70" name="矩形 69">
-            <a:extLst>
-              <a:ext uri="{FF2B5EF4-FFF2-40B4-BE49-F238E27FC236}">
-                <a16:creationId xmlns:a16="http://schemas.microsoft.com/office/drawing/2014/main" id="{593CCE8E-C6D4-403E-B5C3-7B951D321FCF}"/>
-              </a:ext>
-            </a:extLst>
-          </p:cNvPr>
+          <p:cNvPr id="70" name="矩形 69"/>
           <p:cNvSpPr/>
           <p:nvPr/>
         </p:nvSpPr>
@@ -6512,13 +5755,7 @@
       </p:sp>
       <p:sp>
         <p:nvSpPr>
-          <p:cNvPr id="71" name="矩形 70">
-            <a:extLst>
-              <a:ext uri="{FF2B5EF4-FFF2-40B4-BE49-F238E27FC236}">
-                <a16:creationId xmlns:a16="http://schemas.microsoft.com/office/drawing/2014/main" id="{882B9EB2-8E96-491C-8CE1-2B688029C7AF}"/>
-              </a:ext>
-            </a:extLst>
-          </p:cNvPr>
+          <p:cNvPr id="71" name="矩形 70"/>
           <p:cNvSpPr/>
           <p:nvPr/>
         </p:nvSpPr>
@@ -6581,13 +5818,7 @@
       </p:sp>
       <p:sp>
         <p:nvSpPr>
-          <p:cNvPr id="73" name="矩形 72">
-            <a:extLst>
-              <a:ext uri="{FF2B5EF4-FFF2-40B4-BE49-F238E27FC236}">
-                <a16:creationId xmlns:a16="http://schemas.microsoft.com/office/drawing/2014/main" id="{A7AEA9D9-CA9B-4A98-BBE2-6CF6075A7328}"/>
-              </a:ext>
-            </a:extLst>
-          </p:cNvPr>
+          <p:cNvPr id="73" name="矩形 72"/>
           <p:cNvSpPr/>
           <p:nvPr/>
         </p:nvSpPr>
@@ -6599,7 +5830,6 @@
           <a:prstGeom prst="rect">
             <a:avLst/>
           </a:prstGeom>
-          <a:ln/>
         </p:spPr>
         <p:style>
           <a:lnRef idx="2">
@@ -6643,11 +5873,6 @@
         </p:txBody>
       </p:sp>
     </p:spTree>
-    <p:extLst>
-      <p:ext uri="{BB962C8B-B14F-4D97-AF65-F5344CB8AC3E}">
-        <p14:creationId xmlns:p14="http://schemas.microsoft.com/office/powerpoint/2010/main" val="1866536811"/>
-      </p:ext>
-    </p:extLst>
   </p:cSld>
   <p:clrMapOvr>
     <a:masterClrMapping/>
@@ -6674,13 +5899,7 @@
       </p:grpSpPr>
       <p:sp>
         <p:nvSpPr>
-          <p:cNvPr id="96" name="矩形 95">
-            <a:extLst>
-              <a:ext uri="{FF2B5EF4-FFF2-40B4-BE49-F238E27FC236}">
-                <a16:creationId xmlns:a16="http://schemas.microsoft.com/office/drawing/2014/main" id="{E61A76FA-DB87-4DD9-8700-71CFAAEEFC1C}"/>
-              </a:ext>
-            </a:extLst>
-          </p:cNvPr>
+          <p:cNvPr id="96" name="矩形 95"/>
           <p:cNvSpPr/>
           <p:nvPr/>
         </p:nvSpPr>
@@ -6723,13 +5942,7 @@
       </p:sp>
       <p:sp>
         <p:nvSpPr>
-          <p:cNvPr id="4" name="矩形: 圆角 3">
-            <a:extLst>
-              <a:ext uri="{FF2B5EF4-FFF2-40B4-BE49-F238E27FC236}">
-                <a16:creationId xmlns:a16="http://schemas.microsoft.com/office/drawing/2014/main" id="{2FB7E6AD-8338-450A-B0B5-383116815AA3}"/>
-              </a:ext>
-            </a:extLst>
-          </p:cNvPr>
+          <p:cNvPr id="4" name="矩形: 圆角 3"/>
           <p:cNvSpPr/>
           <p:nvPr/>
         </p:nvSpPr>
@@ -6795,15 +6008,8 @@
       </p:sp>
       <p:cxnSp>
         <p:nvCxnSpPr>
-          <p:cNvPr id="8" name="直接箭头连接符 7">
-            <a:extLst>
-              <a:ext uri="{FF2B5EF4-FFF2-40B4-BE49-F238E27FC236}">
-                <a16:creationId xmlns:a16="http://schemas.microsoft.com/office/drawing/2014/main" id="{80837AD0-409D-47C7-8319-BF326F9CEE4B}"/>
-              </a:ext>
-            </a:extLst>
-          </p:cNvPr>
+          <p:cNvPr id="8" name="直接箭头连接符 7"/>
           <p:cNvCxnSpPr>
-            <a:cxnSpLocks/>
             <a:endCxn id="4" idx="3"/>
           </p:cNvCxnSpPr>
           <p:nvPr/>
@@ -6841,16 +6047,8 @@
       </p:cxnSp>
       <p:cxnSp>
         <p:nvCxnSpPr>
-          <p:cNvPr id="11" name="直接箭头连接符 10">
-            <a:extLst>
-              <a:ext uri="{FF2B5EF4-FFF2-40B4-BE49-F238E27FC236}">
-                <a16:creationId xmlns:a16="http://schemas.microsoft.com/office/drawing/2014/main" id="{24340BD7-DFB2-40C6-BFE1-8D67C2D67BCA}"/>
-              </a:ext>
-            </a:extLst>
-          </p:cNvPr>
-          <p:cNvCxnSpPr>
-            <a:cxnSpLocks/>
-          </p:cNvCxnSpPr>
+          <p:cNvPr id="11" name="直接箭头连接符 10"/>
+          <p:cNvCxnSpPr/>
           <p:nvPr/>
         </p:nvCxnSpPr>
         <p:spPr>
@@ -6886,16 +6084,8 @@
       </p:cxnSp>
       <p:cxnSp>
         <p:nvCxnSpPr>
-          <p:cNvPr id="12" name="直接箭头连接符 11">
-            <a:extLst>
-              <a:ext uri="{FF2B5EF4-FFF2-40B4-BE49-F238E27FC236}">
-                <a16:creationId xmlns:a16="http://schemas.microsoft.com/office/drawing/2014/main" id="{BC8727B3-D3EC-4C71-9458-64B1BFD5F604}"/>
-              </a:ext>
-            </a:extLst>
-          </p:cNvPr>
-          <p:cNvCxnSpPr>
-            <a:cxnSpLocks/>
-          </p:cNvCxnSpPr>
+          <p:cNvPr id="12" name="直接箭头连接符 11"/>
+          <p:cNvCxnSpPr/>
           <p:nvPr/>
         </p:nvCxnSpPr>
         <p:spPr>
@@ -6931,13 +6121,7 @@
       </p:cxnSp>
       <p:sp>
         <p:nvSpPr>
-          <p:cNvPr id="14" name="矩形: 圆角 13">
-            <a:extLst>
-              <a:ext uri="{FF2B5EF4-FFF2-40B4-BE49-F238E27FC236}">
-                <a16:creationId xmlns:a16="http://schemas.microsoft.com/office/drawing/2014/main" id="{4E155109-1DD9-4A33-A963-376F80FF7977}"/>
-              </a:ext>
-            </a:extLst>
-          </p:cNvPr>
+          <p:cNvPr id="14" name="矩形: 圆角 13"/>
           <p:cNvSpPr/>
           <p:nvPr/>
         </p:nvSpPr>
@@ -6998,13 +6182,7 @@
       </p:sp>
       <p:sp>
         <p:nvSpPr>
-          <p:cNvPr id="15" name="矩形: 圆角 14">
-            <a:extLst>
-              <a:ext uri="{FF2B5EF4-FFF2-40B4-BE49-F238E27FC236}">
-                <a16:creationId xmlns:a16="http://schemas.microsoft.com/office/drawing/2014/main" id="{52BAEA57-026F-4E6D-B47F-B05D710E2738}"/>
-              </a:ext>
-            </a:extLst>
-          </p:cNvPr>
+          <p:cNvPr id="15" name="矩形: 圆角 14"/>
           <p:cNvSpPr/>
           <p:nvPr/>
         </p:nvSpPr>
@@ -7065,13 +6243,7 @@
       </p:sp>
       <p:sp>
         <p:nvSpPr>
-          <p:cNvPr id="16" name="矩形: 圆角 15">
-            <a:extLst>
-              <a:ext uri="{FF2B5EF4-FFF2-40B4-BE49-F238E27FC236}">
-                <a16:creationId xmlns:a16="http://schemas.microsoft.com/office/drawing/2014/main" id="{B9D4A1D2-29FE-4D9D-A98A-F0C0AADB6E0D}"/>
-              </a:ext>
-            </a:extLst>
-          </p:cNvPr>
+          <p:cNvPr id="16" name="矩形: 圆角 15"/>
           <p:cNvSpPr/>
           <p:nvPr/>
         </p:nvSpPr>
@@ -7132,13 +6304,7 @@
       </p:sp>
       <p:sp>
         <p:nvSpPr>
-          <p:cNvPr id="17" name="矩形: 圆角 16">
-            <a:extLst>
-              <a:ext uri="{FF2B5EF4-FFF2-40B4-BE49-F238E27FC236}">
-                <a16:creationId xmlns:a16="http://schemas.microsoft.com/office/drawing/2014/main" id="{90D688D1-F5CA-4CC4-8523-09125304D4A4}"/>
-              </a:ext>
-            </a:extLst>
-          </p:cNvPr>
+          <p:cNvPr id="17" name="矩形: 圆角 16"/>
           <p:cNvSpPr/>
           <p:nvPr/>
         </p:nvSpPr>
@@ -7199,13 +6365,7 @@
       </p:sp>
       <p:sp>
         <p:nvSpPr>
-          <p:cNvPr id="18" name="矩形 17">
-            <a:extLst>
-              <a:ext uri="{FF2B5EF4-FFF2-40B4-BE49-F238E27FC236}">
-                <a16:creationId xmlns:a16="http://schemas.microsoft.com/office/drawing/2014/main" id="{132E6042-1945-4944-96A5-0BC78EDA86F3}"/>
-              </a:ext>
-            </a:extLst>
-          </p:cNvPr>
+          <p:cNvPr id="18" name="矩形 17"/>
           <p:cNvSpPr/>
           <p:nvPr/>
         </p:nvSpPr>
@@ -7259,13 +6419,7 @@
       </p:sp>
       <p:sp>
         <p:nvSpPr>
-          <p:cNvPr id="19" name="矩形 18">
-            <a:extLst>
-              <a:ext uri="{FF2B5EF4-FFF2-40B4-BE49-F238E27FC236}">
-                <a16:creationId xmlns:a16="http://schemas.microsoft.com/office/drawing/2014/main" id="{444A71A1-BE37-4F0E-989F-0874121311C6}"/>
-              </a:ext>
-            </a:extLst>
-          </p:cNvPr>
+          <p:cNvPr id="19" name="矩形 18"/>
           <p:cNvSpPr/>
           <p:nvPr/>
         </p:nvSpPr>
@@ -7330,13 +6484,7 @@
       </p:sp>
       <p:sp>
         <p:nvSpPr>
-          <p:cNvPr id="20" name="矩形: 圆角 19">
-            <a:extLst>
-              <a:ext uri="{FF2B5EF4-FFF2-40B4-BE49-F238E27FC236}">
-                <a16:creationId xmlns:a16="http://schemas.microsoft.com/office/drawing/2014/main" id="{8387669B-E18F-4935-BB44-E2412C269F9C}"/>
-              </a:ext>
-            </a:extLst>
-          </p:cNvPr>
+          <p:cNvPr id="20" name="矩形: 圆角 19"/>
           <p:cNvSpPr/>
           <p:nvPr/>
         </p:nvSpPr>
@@ -7397,13 +6545,7 @@
       </p:sp>
       <p:sp>
         <p:nvSpPr>
-          <p:cNvPr id="21" name="矩形: 圆角 20">
-            <a:extLst>
-              <a:ext uri="{FF2B5EF4-FFF2-40B4-BE49-F238E27FC236}">
-                <a16:creationId xmlns:a16="http://schemas.microsoft.com/office/drawing/2014/main" id="{7A83F263-E036-41C3-A740-11FD50D27E26}"/>
-              </a:ext>
-            </a:extLst>
-          </p:cNvPr>
+          <p:cNvPr id="21" name="矩形: 圆角 20"/>
           <p:cNvSpPr/>
           <p:nvPr/>
         </p:nvSpPr>
@@ -7464,13 +6606,7 @@
       </p:sp>
       <p:sp>
         <p:nvSpPr>
-          <p:cNvPr id="22" name="矩形: 圆角 21">
-            <a:extLst>
-              <a:ext uri="{FF2B5EF4-FFF2-40B4-BE49-F238E27FC236}">
-                <a16:creationId xmlns:a16="http://schemas.microsoft.com/office/drawing/2014/main" id="{0A5DFE86-37D4-4740-85D5-89C30103E02F}"/>
-              </a:ext>
-            </a:extLst>
-          </p:cNvPr>
+          <p:cNvPr id="22" name="矩形: 圆角 21"/>
           <p:cNvSpPr/>
           <p:nvPr/>
         </p:nvSpPr>
@@ -7531,13 +6667,7 @@
       </p:sp>
       <p:sp>
         <p:nvSpPr>
-          <p:cNvPr id="23" name="矩形: 圆角 22">
-            <a:extLst>
-              <a:ext uri="{FF2B5EF4-FFF2-40B4-BE49-F238E27FC236}">
-                <a16:creationId xmlns:a16="http://schemas.microsoft.com/office/drawing/2014/main" id="{4F906CD1-BF45-4DA1-AD1E-0D4154961C68}"/>
-              </a:ext>
-            </a:extLst>
-          </p:cNvPr>
+          <p:cNvPr id="23" name="矩形: 圆角 22"/>
           <p:cNvSpPr/>
           <p:nvPr/>
         </p:nvSpPr>
@@ -7598,13 +6728,7 @@
       </p:sp>
       <p:sp>
         <p:nvSpPr>
-          <p:cNvPr id="24" name="矩形 23">
-            <a:extLst>
-              <a:ext uri="{FF2B5EF4-FFF2-40B4-BE49-F238E27FC236}">
-                <a16:creationId xmlns:a16="http://schemas.microsoft.com/office/drawing/2014/main" id="{50F0148E-303F-4D33-B670-EE81847FB941}"/>
-              </a:ext>
-            </a:extLst>
-          </p:cNvPr>
+          <p:cNvPr id="24" name="矩形 23"/>
           <p:cNvSpPr/>
           <p:nvPr/>
         </p:nvSpPr>
@@ -7658,13 +6782,7 @@
       </p:sp>
       <p:sp>
         <p:nvSpPr>
-          <p:cNvPr id="25" name="矩形 24">
-            <a:extLst>
-              <a:ext uri="{FF2B5EF4-FFF2-40B4-BE49-F238E27FC236}">
-                <a16:creationId xmlns:a16="http://schemas.microsoft.com/office/drawing/2014/main" id="{228111D7-7C04-4D10-A8A7-83C0BD48B305}"/>
-              </a:ext>
-            </a:extLst>
-          </p:cNvPr>
+          <p:cNvPr id="25" name="矩形 24"/>
           <p:cNvSpPr/>
           <p:nvPr/>
         </p:nvSpPr>
@@ -7729,13 +6847,7 @@
       </p:sp>
       <p:sp>
         <p:nvSpPr>
-          <p:cNvPr id="26" name="矩形: 圆角 25">
-            <a:extLst>
-              <a:ext uri="{FF2B5EF4-FFF2-40B4-BE49-F238E27FC236}">
-                <a16:creationId xmlns:a16="http://schemas.microsoft.com/office/drawing/2014/main" id="{ED3B4C58-C65C-421C-9F95-08F711E8A979}"/>
-              </a:ext>
-            </a:extLst>
-          </p:cNvPr>
+          <p:cNvPr id="26" name="矩形: 圆角 25"/>
           <p:cNvSpPr/>
           <p:nvPr/>
         </p:nvSpPr>
@@ -7796,13 +6908,7 @@
       </p:sp>
       <p:sp>
         <p:nvSpPr>
-          <p:cNvPr id="27" name="矩形: 圆角 26">
-            <a:extLst>
-              <a:ext uri="{FF2B5EF4-FFF2-40B4-BE49-F238E27FC236}">
-                <a16:creationId xmlns:a16="http://schemas.microsoft.com/office/drawing/2014/main" id="{3A9BE087-12E9-4C1F-BE91-8C9AE48FF32F}"/>
-              </a:ext>
-            </a:extLst>
-          </p:cNvPr>
+          <p:cNvPr id="27" name="矩形: 圆角 26"/>
           <p:cNvSpPr/>
           <p:nvPr/>
         </p:nvSpPr>
@@ -7863,13 +6969,7 @@
       </p:sp>
       <p:sp>
         <p:nvSpPr>
-          <p:cNvPr id="28" name="矩形: 圆角 27">
-            <a:extLst>
-              <a:ext uri="{FF2B5EF4-FFF2-40B4-BE49-F238E27FC236}">
-                <a16:creationId xmlns:a16="http://schemas.microsoft.com/office/drawing/2014/main" id="{F49C2379-FF2C-4D3A-B499-9AF6255DBCC0}"/>
-              </a:ext>
-            </a:extLst>
-          </p:cNvPr>
+          <p:cNvPr id="28" name="矩形: 圆角 27"/>
           <p:cNvSpPr/>
           <p:nvPr/>
         </p:nvSpPr>
@@ -7930,13 +7030,7 @@
       </p:sp>
       <p:cxnSp>
         <p:nvCxnSpPr>
-          <p:cNvPr id="32" name="直接箭头连接符 31">
-            <a:extLst>
-              <a:ext uri="{FF2B5EF4-FFF2-40B4-BE49-F238E27FC236}">
-                <a16:creationId xmlns:a16="http://schemas.microsoft.com/office/drawing/2014/main" id="{85A84EF5-C76A-4B1B-9C01-0EFFC3E5DE18}"/>
-              </a:ext>
-            </a:extLst>
-          </p:cNvPr>
+          <p:cNvPr id="32" name="直接箭头连接符 31"/>
           <p:cNvCxnSpPr>
             <a:stCxn id="18" idx="2"/>
             <a:endCxn id="26" idx="0"/>
@@ -7975,15 +7069,8 @@
       </p:cxnSp>
       <p:cxnSp>
         <p:nvCxnSpPr>
-          <p:cNvPr id="34" name="连接符: 肘形 33">
-            <a:extLst>
-              <a:ext uri="{FF2B5EF4-FFF2-40B4-BE49-F238E27FC236}">
-                <a16:creationId xmlns:a16="http://schemas.microsoft.com/office/drawing/2014/main" id="{E9EAC3A4-8F04-49CA-9722-78B7D786DF4F}"/>
-              </a:ext>
-            </a:extLst>
-          </p:cNvPr>
+          <p:cNvPr id="34" name="连接符: 肘形 33"/>
           <p:cNvCxnSpPr>
-            <a:cxnSpLocks/>
             <a:stCxn id="26" idx="1"/>
             <a:endCxn id="20" idx="3"/>
           </p:cNvCxnSpPr>
@@ -8020,15 +7107,8 @@
       </p:cxnSp>
       <p:cxnSp>
         <p:nvCxnSpPr>
-          <p:cNvPr id="36" name="连接符: 肘形 35">
-            <a:extLst>
-              <a:ext uri="{FF2B5EF4-FFF2-40B4-BE49-F238E27FC236}">
-                <a16:creationId xmlns:a16="http://schemas.microsoft.com/office/drawing/2014/main" id="{41AE75FA-436C-4534-8A1F-26F547083AE3}"/>
-              </a:ext>
-            </a:extLst>
-          </p:cNvPr>
+          <p:cNvPr id="36" name="连接符: 肘形 35"/>
           <p:cNvCxnSpPr>
-            <a:cxnSpLocks/>
             <a:stCxn id="26" idx="1"/>
             <a:endCxn id="21" idx="3"/>
           </p:cNvCxnSpPr>
@@ -8068,15 +7148,8 @@
       </p:cxnSp>
       <p:cxnSp>
         <p:nvCxnSpPr>
-          <p:cNvPr id="39" name="连接符: 肘形 38">
-            <a:extLst>
-              <a:ext uri="{FF2B5EF4-FFF2-40B4-BE49-F238E27FC236}">
-                <a16:creationId xmlns:a16="http://schemas.microsoft.com/office/drawing/2014/main" id="{879B4AD3-3939-4759-9685-49206885E230}"/>
-              </a:ext>
-            </a:extLst>
-          </p:cNvPr>
+          <p:cNvPr id="39" name="连接符: 肘形 38"/>
           <p:cNvCxnSpPr>
-            <a:cxnSpLocks/>
             <a:stCxn id="28" idx="1"/>
             <a:endCxn id="20" idx="3"/>
           </p:cNvCxnSpPr>
@@ -8116,15 +7189,8 @@
       </p:cxnSp>
       <p:cxnSp>
         <p:nvCxnSpPr>
-          <p:cNvPr id="40" name="连接符: 肘形 39">
-            <a:extLst>
-              <a:ext uri="{FF2B5EF4-FFF2-40B4-BE49-F238E27FC236}">
-                <a16:creationId xmlns:a16="http://schemas.microsoft.com/office/drawing/2014/main" id="{AEA2E15A-1557-4C99-A038-95BCE259A3AB}"/>
-              </a:ext>
-            </a:extLst>
-          </p:cNvPr>
+          <p:cNvPr id="40" name="连接符: 肘形 39"/>
           <p:cNvCxnSpPr>
-            <a:cxnSpLocks/>
             <a:stCxn id="28" idx="1"/>
             <a:endCxn id="23" idx="3"/>
           </p:cNvCxnSpPr>
@@ -8164,15 +7230,8 @@
       </p:cxnSp>
       <p:cxnSp>
         <p:nvCxnSpPr>
-          <p:cNvPr id="46" name="直接箭头连接符 45">
-            <a:extLst>
-              <a:ext uri="{FF2B5EF4-FFF2-40B4-BE49-F238E27FC236}">
-                <a16:creationId xmlns:a16="http://schemas.microsoft.com/office/drawing/2014/main" id="{36756345-BA43-4F17-AA03-5C343234773F}"/>
-              </a:ext>
-            </a:extLst>
-          </p:cNvPr>
+          <p:cNvPr id="46" name="直接箭头连接符 45"/>
           <p:cNvCxnSpPr>
-            <a:cxnSpLocks/>
             <a:stCxn id="26" idx="2"/>
             <a:endCxn id="28" idx="0"/>
           </p:cNvCxnSpPr>
@@ -8207,16 +7266,8 @@
       </p:cxnSp>
       <p:cxnSp>
         <p:nvCxnSpPr>
-          <p:cNvPr id="49" name="直接箭头连接符 48">
-            <a:extLst>
-              <a:ext uri="{FF2B5EF4-FFF2-40B4-BE49-F238E27FC236}">
-                <a16:creationId xmlns:a16="http://schemas.microsoft.com/office/drawing/2014/main" id="{3449CE70-A50A-4121-900F-E5BD224B3F06}"/>
-              </a:ext>
-            </a:extLst>
-          </p:cNvPr>
-          <p:cNvCxnSpPr>
-            <a:cxnSpLocks/>
-          </p:cNvCxnSpPr>
+          <p:cNvPr id="49" name="直接箭头连接符 48"/>
+          <p:cNvCxnSpPr/>
           <p:nvPr/>
         </p:nvCxnSpPr>
         <p:spPr>
@@ -8248,16 +7299,8 @@
       </p:cxnSp>
       <p:cxnSp>
         <p:nvCxnSpPr>
-          <p:cNvPr id="50" name="直接箭头连接符 49">
-            <a:extLst>
-              <a:ext uri="{FF2B5EF4-FFF2-40B4-BE49-F238E27FC236}">
-                <a16:creationId xmlns:a16="http://schemas.microsoft.com/office/drawing/2014/main" id="{943DDC2F-25A2-4AE6-827A-71E3CAED803C}"/>
-              </a:ext>
-            </a:extLst>
-          </p:cNvPr>
-          <p:cNvCxnSpPr>
-            <a:cxnSpLocks/>
-          </p:cNvCxnSpPr>
+          <p:cNvPr id="50" name="直接箭头连接符 49"/>
+          <p:cNvCxnSpPr/>
           <p:nvPr/>
         </p:nvCxnSpPr>
         <p:spPr>
@@ -8289,15 +7332,8 @@
       </p:cxnSp>
       <p:cxnSp>
         <p:nvCxnSpPr>
-          <p:cNvPr id="51" name="直接箭头连接符 50">
-            <a:extLst>
-              <a:ext uri="{FF2B5EF4-FFF2-40B4-BE49-F238E27FC236}">
-                <a16:creationId xmlns:a16="http://schemas.microsoft.com/office/drawing/2014/main" id="{49EDE74A-7AA7-446A-B223-1F0B0C994538}"/>
-              </a:ext>
-            </a:extLst>
-          </p:cNvPr>
+          <p:cNvPr id="51" name="直接箭头连接符 50"/>
           <p:cNvCxnSpPr>
-            <a:cxnSpLocks/>
             <a:stCxn id="22" idx="3"/>
             <a:endCxn id="23" idx="1"/>
           </p:cNvCxnSpPr>
@@ -8335,15 +7371,8 @@
       </p:cxnSp>
       <p:cxnSp>
         <p:nvCxnSpPr>
-          <p:cNvPr id="54" name="连接符: 肘形 53">
-            <a:extLst>
-              <a:ext uri="{FF2B5EF4-FFF2-40B4-BE49-F238E27FC236}">
-                <a16:creationId xmlns:a16="http://schemas.microsoft.com/office/drawing/2014/main" id="{3ACF6632-F388-48E0-8070-430FB86056AE}"/>
-              </a:ext>
-            </a:extLst>
-          </p:cNvPr>
+          <p:cNvPr id="54" name="连接符: 肘形 53"/>
           <p:cNvCxnSpPr>
-            <a:cxnSpLocks/>
             <a:stCxn id="22" idx="2"/>
             <a:endCxn id="21" idx="1"/>
           </p:cNvCxnSpPr>
@@ -8381,15 +7410,8 @@
       </p:cxnSp>
       <p:cxnSp>
         <p:nvCxnSpPr>
-          <p:cNvPr id="55" name="连接符: 肘形 54">
-            <a:extLst>
-              <a:ext uri="{FF2B5EF4-FFF2-40B4-BE49-F238E27FC236}">
-                <a16:creationId xmlns:a16="http://schemas.microsoft.com/office/drawing/2014/main" id="{4DFD28D4-BAC4-4700-AFB1-55BC86D6C556}"/>
-              </a:ext>
-            </a:extLst>
-          </p:cNvPr>
+          <p:cNvPr id="55" name="连接符: 肘形 54"/>
           <p:cNvCxnSpPr>
-            <a:cxnSpLocks/>
             <a:stCxn id="22" idx="2"/>
             <a:endCxn id="20" idx="1"/>
           </p:cNvCxnSpPr>
@@ -8427,15 +7449,8 @@
       </p:cxnSp>
       <p:cxnSp>
         <p:nvCxnSpPr>
-          <p:cNvPr id="61" name="连接符: 肘形 60">
-            <a:extLst>
-              <a:ext uri="{FF2B5EF4-FFF2-40B4-BE49-F238E27FC236}">
-                <a16:creationId xmlns:a16="http://schemas.microsoft.com/office/drawing/2014/main" id="{5D888266-1D2D-4E82-9D5F-D28313B2F0E5}"/>
-              </a:ext>
-            </a:extLst>
-          </p:cNvPr>
+          <p:cNvPr id="61" name="连接符: 肘形 60"/>
           <p:cNvCxnSpPr>
-            <a:cxnSpLocks/>
             <a:stCxn id="20" idx="2"/>
             <a:endCxn id="27" idx="2"/>
           </p:cNvCxnSpPr>
@@ -8475,13 +7490,7 @@
       </p:cxnSp>
       <p:sp>
         <p:nvSpPr>
-          <p:cNvPr id="65" name="矩形: 圆角 64">
-            <a:extLst>
-              <a:ext uri="{FF2B5EF4-FFF2-40B4-BE49-F238E27FC236}">
-                <a16:creationId xmlns:a16="http://schemas.microsoft.com/office/drawing/2014/main" id="{FEC72071-A461-44D0-8AA8-96412F87B8B4}"/>
-              </a:ext>
-            </a:extLst>
-          </p:cNvPr>
+          <p:cNvPr id="65" name="矩形: 圆角 64"/>
           <p:cNvSpPr/>
           <p:nvPr/>
         </p:nvSpPr>
@@ -8542,13 +7551,7 @@
       </p:sp>
       <p:sp>
         <p:nvSpPr>
-          <p:cNvPr id="66" name="矩形: 圆角 65">
-            <a:extLst>
-              <a:ext uri="{FF2B5EF4-FFF2-40B4-BE49-F238E27FC236}">
-                <a16:creationId xmlns:a16="http://schemas.microsoft.com/office/drawing/2014/main" id="{72F981EF-869A-48D0-85B5-2DAA88426CD8}"/>
-              </a:ext>
-            </a:extLst>
-          </p:cNvPr>
+          <p:cNvPr id="66" name="矩形: 圆角 65"/>
           <p:cNvSpPr/>
           <p:nvPr/>
         </p:nvSpPr>
@@ -8609,13 +7612,7 @@
       </p:sp>
       <p:sp>
         <p:nvSpPr>
-          <p:cNvPr id="67" name="矩形: 圆角 66">
-            <a:extLst>
-              <a:ext uri="{FF2B5EF4-FFF2-40B4-BE49-F238E27FC236}">
-                <a16:creationId xmlns:a16="http://schemas.microsoft.com/office/drawing/2014/main" id="{5603C60F-4188-445B-9FC7-941E314713C3}"/>
-              </a:ext>
-            </a:extLst>
-          </p:cNvPr>
+          <p:cNvPr id="67" name="矩形: 圆角 66"/>
           <p:cNvSpPr/>
           <p:nvPr/>
         </p:nvSpPr>
@@ -8676,13 +7673,7 @@
       </p:sp>
       <p:sp>
         <p:nvSpPr>
-          <p:cNvPr id="68" name="矩形 67">
-            <a:extLst>
-              <a:ext uri="{FF2B5EF4-FFF2-40B4-BE49-F238E27FC236}">
-                <a16:creationId xmlns:a16="http://schemas.microsoft.com/office/drawing/2014/main" id="{98BCA13E-21FA-49C8-8712-0400A9D01FFB}"/>
-              </a:ext>
-            </a:extLst>
-          </p:cNvPr>
+          <p:cNvPr id="68" name="矩形 67"/>
           <p:cNvSpPr/>
           <p:nvPr/>
         </p:nvSpPr>
@@ -8736,13 +7727,7 @@
       </p:sp>
       <p:sp>
         <p:nvSpPr>
-          <p:cNvPr id="69" name="矩形 68">
-            <a:extLst>
-              <a:ext uri="{FF2B5EF4-FFF2-40B4-BE49-F238E27FC236}">
-                <a16:creationId xmlns:a16="http://schemas.microsoft.com/office/drawing/2014/main" id="{EAD377E6-1EDB-4BDF-842B-DEDCC30000CC}"/>
-              </a:ext>
-            </a:extLst>
-          </p:cNvPr>
+          <p:cNvPr id="69" name="矩形 68"/>
           <p:cNvSpPr/>
           <p:nvPr/>
         </p:nvSpPr>
@@ -8807,13 +7792,7 @@
       </p:sp>
       <p:sp>
         <p:nvSpPr>
-          <p:cNvPr id="70" name="矩形: 圆角 69">
-            <a:extLst>
-              <a:ext uri="{FF2B5EF4-FFF2-40B4-BE49-F238E27FC236}">
-                <a16:creationId xmlns:a16="http://schemas.microsoft.com/office/drawing/2014/main" id="{21079BE8-4F9F-4FE7-A6F5-D1DCE18134B1}"/>
-              </a:ext>
-            </a:extLst>
-          </p:cNvPr>
+          <p:cNvPr id="70" name="矩形: 圆角 69"/>
           <p:cNvSpPr/>
           <p:nvPr/>
         </p:nvSpPr>
@@ -8874,13 +7853,7 @@
       </p:sp>
       <p:sp>
         <p:nvSpPr>
-          <p:cNvPr id="71" name="矩形: 圆角 70">
-            <a:extLst>
-              <a:ext uri="{FF2B5EF4-FFF2-40B4-BE49-F238E27FC236}">
-                <a16:creationId xmlns:a16="http://schemas.microsoft.com/office/drawing/2014/main" id="{F5D4523D-812B-4806-86A6-48F718471B82}"/>
-              </a:ext>
-            </a:extLst>
-          </p:cNvPr>
+          <p:cNvPr id="71" name="矩形: 圆角 70"/>
           <p:cNvSpPr/>
           <p:nvPr/>
         </p:nvSpPr>
@@ -8941,13 +7914,7 @@
       </p:sp>
       <p:sp>
         <p:nvSpPr>
-          <p:cNvPr id="73" name="矩形 72">
-            <a:extLst>
-              <a:ext uri="{FF2B5EF4-FFF2-40B4-BE49-F238E27FC236}">
-                <a16:creationId xmlns:a16="http://schemas.microsoft.com/office/drawing/2014/main" id="{D9BD1F63-5A0F-473A-83FC-117EFC1259B1}"/>
-              </a:ext>
-            </a:extLst>
-          </p:cNvPr>
+          <p:cNvPr id="73" name="矩形 72"/>
           <p:cNvSpPr/>
           <p:nvPr/>
         </p:nvSpPr>
@@ -9001,13 +7968,7 @@
       </p:sp>
       <p:sp>
         <p:nvSpPr>
-          <p:cNvPr id="74" name="矩形 73">
-            <a:extLst>
-              <a:ext uri="{FF2B5EF4-FFF2-40B4-BE49-F238E27FC236}">
-                <a16:creationId xmlns:a16="http://schemas.microsoft.com/office/drawing/2014/main" id="{7DD38D29-3989-47BB-998A-B13FF195CB7C}"/>
-              </a:ext>
-            </a:extLst>
-          </p:cNvPr>
+          <p:cNvPr id="74" name="矩形 73"/>
           <p:cNvSpPr/>
           <p:nvPr/>
         </p:nvSpPr>
@@ -9072,16 +8033,8 @@
       </p:sp>
       <p:cxnSp>
         <p:nvCxnSpPr>
-          <p:cNvPr id="75" name="直接箭头连接符 74">
-            <a:extLst>
-              <a:ext uri="{FF2B5EF4-FFF2-40B4-BE49-F238E27FC236}">
-                <a16:creationId xmlns:a16="http://schemas.microsoft.com/office/drawing/2014/main" id="{9A71F449-C29F-42E8-9C58-BDBCA5B463CB}"/>
-              </a:ext>
-            </a:extLst>
-          </p:cNvPr>
-          <p:cNvCxnSpPr>
-            <a:cxnSpLocks/>
-          </p:cNvCxnSpPr>
+          <p:cNvPr id="75" name="直接箭头连接符 74"/>
+          <p:cNvCxnSpPr/>
           <p:nvPr/>
         </p:nvCxnSpPr>
         <p:spPr>
@@ -9117,16 +8070,8 @@
       </p:cxnSp>
       <p:cxnSp>
         <p:nvCxnSpPr>
-          <p:cNvPr id="76" name="直接箭头连接符 75">
-            <a:extLst>
-              <a:ext uri="{FF2B5EF4-FFF2-40B4-BE49-F238E27FC236}">
-                <a16:creationId xmlns:a16="http://schemas.microsoft.com/office/drawing/2014/main" id="{976F6C62-6D71-4BEE-836C-3D614B1B229B}"/>
-              </a:ext>
-            </a:extLst>
-          </p:cNvPr>
-          <p:cNvCxnSpPr>
-            <a:cxnSpLocks/>
-          </p:cNvCxnSpPr>
+          <p:cNvPr id="76" name="直接箭头连接符 75"/>
+          <p:cNvCxnSpPr/>
           <p:nvPr/>
         </p:nvCxnSpPr>
         <p:spPr>
@@ -9162,16 +8107,8 @@
       </p:cxnSp>
       <p:cxnSp>
         <p:nvCxnSpPr>
-          <p:cNvPr id="77" name="直接箭头连接符 76">
-            <a:extLst>
-              <a:ext uri="{FF2B5EF4-FFF2-40B4-BE49-F238E27FC236}">
-                <a16:creationId xmlns:a16="http://schemas.microsoft.com/office/drawing/2014/main" id="{725FA7AE-58FA-4BA9-B66E-70396DF08BBB}"/>
-              </a:ext>
-            </a:extLst>
-          </p:cNvPr>
-          <p:cNvCxnSpPr>
-            <a:cxnSpLocks/>
-          </p:cNvCxnSpPr>
+          <p:cNvPr id="77" name="直接箭头连接符 76"/>
+          <p:cNvCxnSpPr/>
           <p:nvPr/>
         </p:nvCxnSpPr>
         <p:spPr>
@@ -9207,16 +8144,8 @@
       </p:cxnSp>
       <p:cxnSp>
         <p:nvCxnSpPr>
-          <p:cNvPr id="78" name="直接箭头连接符 77">
-            <a:extLst>
-              <a:ext uri="{FF2B5EF4-FFF2-40B4-BE49-F238E27FC236}">
-                <a16:creationId xmlns:a16="http://schemas.microsoft.com/office/drawing/2014/main" id="{EE7D9EBA-3D33-4119-AA1E-F3A331D9E0F1}"/>
-              </a:ext>
-            </a:extLst>
-          </p:cNvPr>
-          <p:cNvCxnSpPr>
-            <a:cxnSpLocks/>
-          </p:cNvCxnSpPr>
+          <p:cNvPr id="78" name="直接箭头连接符 77"/>
+          <p:cNvCxnSpPr/>
           <p:nvPr/>
         </p:nvCxnSpPr>
         <p:spPr>
@@ -9252,15 +8181,8 @@
       </p:cxnSp>
       <p:cxnSp>
         <p:nvCxnSpPr>
-          <p:cNvPr id="80" name="直接箭头连接符 79">
-            <a:extLst>
-              <a:ext uri="{FF2B5EF4-FFF2-40B4-BE49-F238E27FC236}">
-                <a16:creationId xmlns:a16="http://schemas.microsoft.com/office/drawing/2014/main" id="{A3D41F75-AA1A-42A9-9ACD-876534C5F75C}"/>
-              </a:ext>
-            </a:extLst>
-          </p:cNvPr>
+          <p:cNvPr id="80" name="直接箭头连接符 79"/>
           <p:cNvCxnSpPr>
-            <a:cxnSpLocks/>
             <a:stCxn id="27" idx="3"/>
           </p:cNvCxnSpPr>
           <p:nvPr/>
@@ -9297,13 +8219,7 @@
       </p:cxnSp>
       <p:cxnSp>
         <p:nvCxnSpPr>
-          <p:cNvPr id="103" name="连接符: 肘形 102">
-            <a:extLst>
-              <a:ext uri="{FF2B5EF4-FFF2-40B4-BE49-F238E27FC236}">
-                <a16:creationId xmlns:a16="http://schemas.microsoft.com/office/drawing/2014/main" id="{2ADEA1DB-6A77-4016-99DA-72A63DA7D65E}"/>
-              </a:ext>
-            </a:extLst>
-          </p:cNvPr>
+          <p:cNvPr id="103" name="连接符: 肘形 102"/>
           <p:cNvCxnSpPr>
             <a:stCxn id="4" idx="0"/>
             <a:endCxn id="68" idx="1"/>
@@ -9342,11 +8258,6 @@
         </p:style>
       </p:cxnSp>
     </p:spTree>
-    <p:extLst>
-      <p:ext uri="{BB962C8B-B14F-4D97-AF65-F5344CB8AC3E}">
-        <p14:creationId xmlns:p14="http://schemas.microsoft.com/office/powerpoint/2010/main" val="1773257159"/>
-      </p:ext>
-    </p:extLst>
   </p:cSld>
   <p:clrMapOvr>
     <a:masterClrMapping/>
@@ -9373,13 +8284,7 @@
       </p:grpSpPr>
       <p:sp>
         <p:nvSpPr>
-          <p:cNvPr id="74" name="矩形 73">
-            <a:extLst>
-              <a:ext uri="{FF2B5EF4-FFF2-40B4-BE49-F238E27FC236}">
-                <a16:creationId xmlns:a16="http://schemas.microsoft.com/office/drawing/2014/main" id="{F88AFCFB-5D75-489A-98E5-D355357B8BAC}"/>
-              </a:ext>
-            </a:extLst>
-          </p:cNvPr>
+          <p:cNvPr id="74" name="矩形 73"/>
           <p:cNvSpPr/>
           <p:nvPr/>
         </p:nvSpPr>
@@ -9426,13 +8331,47 @@
       </p:sp>
       <p:pic>
         <p:nvPicPr>
-          <p:cNvPr id="48" name="图片 47" descr="图片包含 游戏机&#10;&#10;描述已自动生成">
+          <p:cNvPr id="48" name="图片 47" descr="图片包含 游戏机&#10;&#10;描述已自动生成"/>
+          <p:cNvPicPr>
+            <a:picLocks noChangeAspect="1"/>
+          </p:cNvPicPr>
+          <p:nvPr/>
+        </p:nvPicPr>
+        <p:blipFill>
+          <a:blip r:embed="rId1">
             <a:extLst>
-              <a:ext uri="{FF2B5EF4-FFF2-40B4-BE49-F238E27FC236}">
-                <a16:creationId xmlns:a16="http://schemas.microsoft.com/office/drawing/2014/main" id="{CDD0BEBC-0F3C-4F73-AC99-90DCB9962C1C}"/>
+              <a:ext uri="{28A0092B-C50C-407E-A947-70E740481C1C}">
+                <a14:useLocalDpi xmlns:a14="http://schemas.microsoft.com/office/drawing/2010/main" val="0"/>
               </a:ext>
             </a:extLst>
-          </p:cNvPr>
+          </a:blip>
+          <a:stretch>
+            <a:fillRect/>
+          </a:stretch>
+        </p:blipFill>
+        <p:spPr>
+          <a:xfrm>
+            <a:off x="7830581" y="3084567"/>
+            <a:ext cx="746982" cy="746982"/>
+          </a:xfrm>
+          <a:prstGeom prst="rect">
+            <a:avLst/>
+          </a:prstGeom>
+          <a:ln>
+            <a:noFill/>
+          </a:ln>
+          <a:effectLst>
+            <a:outerShdw blurRad="292100" dist="139700" dir="2700000" algn="tl" rotWithShape="0">
+              <a:srgbClr val="333333">
+                <a:alpha val="65000"/>
+              </a:srgbClr>
+            </a:outerShdw>
+          </a:effectLst>
+        </p:spPr>
+      </p:pic>
+      <p:pic>
+        <p:nvPicPr>
+          <p:cNvPr id="49" name="图片 48" descr="图片包含 游戏机, 电子, 电路&#10;&#10;描述已自动生成"/>
           <p:cNvPicPr>
             <a:picLocks noChangeAspect="1"/>
           </p:cNvPicPr>
@@ -9452,8 +8391,90 @@
         </p:blipFill>
         <p:spPr>
           <a:xfrm>
-            <a:off x="7830581" y="3084567"/>
-            <a:ext cx="746982" cy="746982"/>
+            <a:off x="7759656" y="2136368"/>
+            <a:ext cx="831559" cy="678413"/>
+          </a:xfrm>
+          <a:prstGeom prst="roundRect">
+            <a:avLst>
+              <a:gd name="adj" fmla="val 8594"/>
+            </a:avLst>
+          </a:prstGeom>
+          <a:solidFill>
+            <a:srgbClr val="FFFFFF">
+              <a:shade val="85000"/>
+            </a:srgbClr>
+          </a:solidFill>
+          <a:ln>
+            <a:noFill/>
+          </a:ln>
+          <a:effectLst>
+            <a:reflection blurRad="12700" stA="38000" endPos="28000" dist="5000" dir="5400000" sy="-100000" algn="bl" rotWithShape="0"/>
+          </a:effectLst>
+        </p:spPr>
+      </p:pic>
+      <p:cxnSp>
+        <p:nvCxnSpPr>
+          <p:cNvPr id="53" name="直接箭头连接符 52"/>
+          <p:cNvCxnSpPr>
+            <a:endCxn id="49" idx="2"/>
+          </p:cNvCxnSpPr>
+          <p:nvPr/>
+        </p:nvCxnSpPr>
+        <p:spPr>
+          <a:xfrm flipV="1">
+            <a:off x="8175435" y="2814781"/>
+            <a:ext cx="1" cy="379377"/>
+          </a:xfrm>
+          <a:prstGeom prst="straightConnector1">
+            <a:avLst/>
+          </a:prstGeom>
+          <a:ln w="12700">
+            <a:solidFill>
+              <a:schemeClr val="tx1"/>
+            </a:solidFill>
+            <a:tailEnd type="triangle"/>
+          </a:ln>
+        </p:spPr>
+        <p:style>
+          <a:lnRef idx="1">
+            <a:schemeClr val="accent1"/>
+          </a:lnRef>
+          <a:fillRef idx="0">
+            <a:schemeClr val="accent1"/>
+          </a:fillRef>
+          <a:effectRef idx="0">
+            <a:schemeClr val="accent1"/>
+          </a:effectRef>
+          <a:fontRef idx="minor">
+            <a:schemeClr val="tx1"/>
+          </a:fontRef>
+        </p:style>
+      </p:cxnSp>
+      <p:pic>
+        <p:nvPicPr>
+          <p:cNvPr id="35" name="图片 34"/>
+          <p:cNvPicPr>
+            <a:picLocks noChangeAspect="1"/>
+          </p:cNvPicPr>
+          <p:nvPr/>
+        </p:nvPicPr>
+        <p:blipFill rotWithShape="1">
+          <a:blip r:embed="rId3" cstate="print">
+            <a:extLst>
+              <a:ext uri="{28A0092B-C50C-407E-A947-70E740481C1C}">
+                <a14:useLocalDpi xmlns:a14="http://schemas.microsoft.com/office/drawing/2010/main" val="0"/>
+              </a:ext>
+            </a:extLst>
+          </a:blip>
+          <a:srcRect/>
+          <a:stretch>
+            <a:fillRect/>
+          </a:stretch>
+        </p:blipFill>
+        <p:spPr>
+          <a:xfrm>
+            <a:off x="5153312" y="4784908"/>
+            <a:ext cx="1612923" cy="1041674"/>
           </a:xfrm>
           <a:prstGeom prst="rect">
             <a:avLst/>
@@ -9472,107 +8493,7 @@
       </p:pic>
       <p:pic>
         <p:nvPicPr>
-          <p:cNvPr id="49" name="图片 48" descr="图片包含 游戏机, 电子, 电路&#10;&#10;描述已自动生成">
-            <a:extLst>
-              <a:ext uri="{FF2B5EF4-FFF2-40B4-BE49-F238E27FC236}">
-                <a16:creationId xmlns:a16="http://schemas.microsoft.com/office/drawing/2014/main" id="{A7E0E95B-366A-4871-BB34-A0ADFDA9715B}"/>
-              </a:ext>
-            </a:extLst>
-          </p:cNvPr>
-          <p:cNvPicPr>
-            <a:picLocks noChangeAspect="1"/>
-          </p:cNvPicPr>
-          <p:nvPr/>
-        </p:nvPicPr>
-        <p:blipFill>
-          <a:blip r:embed="rId3">
-            <a:extLst>
-              <a:ext uri="{28A0092B-C50C-407E-A947-70E740481C1C}">
-                <a14:useLocalDpi xmlns:a14="http://schemas.microsoft.com/office/drawing/2010/main" val="0"/>
-              </a:ext>
-            </a:extLst>
-          </a:blip>
-          <a:stretch>
-            <a:fillRect/>
-          </a:stretch>
-        </p:blipFill>
-        <p:spPr>
-          <a:xfrm>
-            <a:off x="7759656" y="2136368"/>
-            <a:ext cx="831559" cy="678413"/>
-          </a:xfrm>
-          <a:prstGeom prst="roundRect">
-            <a:avLst>
-              <a:gd name="adj" fmla="val 8594"/>
-            </a:avLst>
-          </a:prstGeom>
-          <a:solidFill>
-            <a:srgbClr val="FFFFFF">
-              <a:shade val="85000"/>
-            </a:srgbClr>
-          </a:solidFill>
-          <a:ln>
-            <a:noFill/>
-          </a:ln>
-          <a:effectLst>
-            <a:reflection blurRad="12700" stA="38000" endPos="28000" dist="5000" dir="5400000" sy="-100000" algn="bl" rotWithShape="0"/>
-          </a:effectLst>
-        </p:spPr>
-      </p:pic>
-      <p:cxnSp>
-        <p:nvCxnSpPr>
-          <p:cNvPr id="53" name="直接箭头连接符 52">
-            <a:extLst>
-              <a:ext uri="{FF2B5EF4-FFF2-40B4-BE49-F238E27FC236}">
-                <a16:creationId xmlns:a16="http://schemas.microsoft.com/office/drawing/2014/main" id="{DE4A9739-56AF-446E-BB0E-0BA78C15B730}"/>
-              </a:ext>
-            </a:extLst>
-          </p:cNvPr>
-          <p:cNvCxnSpPr>
-            <a:cxnSpLocks/>
-            <a:endCxn id="49" idx="2"/>
-          </p:cNvCxnSpPr>
-          <p:nvPr/>
-        </p:nvCxnSpPr>
-        <p:spPr>
-          <a:xfrm flipV="1">
-            <a:off x="8175435" y="2814781"/>
-            <a:ext cx="1" cy="379377"/>
-          </a:xfrm>
-          <a:prstGeom prst="straightConnector1">
-            <a:avLst/>
-          </a:prstGeom>
-          <a:ln w="12700">
-            <a:solidFill>
-              <a:schemeClr val="tx1"/>
-            </a:solidFill>
-            <a:tailEnd type="triangle"/>
-          </a:ln>
-        </p:spPr>
-        <p:style>
-          <a:lnRef idx="1">
-            <a:schemeClr val="accent1"/>
-          </a:lnRef>
-          <a:fillRef idx="0">
-            <a:schemeClr val="accent1"/>
-          </a:fillRef>
-          <a:effectRef idx="0">
-            <a:schemeClr val="accent1"/>
-          </a:effectRef>
-          <a:fontRef idx="minor">
-            <a:schemeClr val="tx1"/>
-          </a:fontRef>
-        </p:style>
-      </p:cxnSp>
-      <p:pic>
-        <p:nvPicPr>
-          <p:cNvPr id="35" name="图片 34">
-            <a:extLst>
-              <a:ext uri="{FF2B5EF4-FFF2-40B4-BE49-F238E27FC236}">
-                <a16:creationId xmlns:a16="http://schemas.microsoft.com/office/drawing/2014/main" id="{8C2EC3B0-2002-43AE-8158-027EC68A4F2D}"/>
-              </a:ext>
-            </a:extLst>
-          </p:cNvPr>
+          <p:cNvPr id="7" name="图片 6"/>
           <p:cNvPicPr>
             <a:picLocks noChangeAspect="1"/>
           </p:cNvPicPr>
@@ -9581,54 +8502,9 @@
         <p:blipFill rotWithShape="1">
           <a:blip r:embed="rId4" cstate="print">
             <a:extLst>
-              <a:ext uri="{28A0092B-C50C-407E-A947-70E740481C1C}">
-                <a14:useLocalDpi xmlns:a14="http://schemas.microsoft.com/office/drawing/2010/main" val="0"/>
-              </a:ext>
-            </a:extLst>
-          </a:blip>
-          <a:srcRect/>
-          <a:stretch/>
-        </p:blipFill>
-        <p:spPr>
-          <a:xfrm>
-            <a:off x="5153312" y="4784908"/>
-            <a:ext cx="1612923" cy="1041674"/>
-          </a:xfrm>
-          <a:prstGeom prst="rect">
-            <a:avLst/>
-          </a:prstGeom>
-          <a:ln>
-            <a:noFill/>
-          </a:ln>
-          <a:effectLst>
-            <a:outerShdw blurRad="292100" dist="139700" dir="2700000" algn="tl" rotWithShape="0">
-              <a:srgbClr val="333333">
-                <a:alpha val="65000"/>
-              </a:srgbClr>
-            </a:outerShdw>
-          </a:effectLst>
-        </p:spPr>
-      </p:pic>
-      <p:pic>
-        <p:nvPicPr>
-          <p:cNvPr id="7" name="图片 6">
-            <a:extLst>
-              <a:ext uri="{FF2B5EF4-FFF2-40B4-BE49-F238E27FC236}">
-                <a16:creationId xmlns:a16="http://schemas.microsoft.com/office/drawing/2014/main" id="{C16CD451-9D25-4742-80A3-383C2D40DA24}"/>
-              </a:ext>
-            </a:extLst>
-          </p:cNvPr>
-          <p:cNvPicPr>
-            <a:picLocks noChangeAspect="1"/>
-          </p:cNvPicPr>
-          <p:nvPr/>
-        </p:nvPicPr>
-        <p:blipFill rotWithShape="1">
-          <a:blip r:embed="rId5" cstate="print">
-            <a:extLst>
               <a:ext uri="{BEBA8EAE-BF5A-486C-A8C5-ECC9F3942E4B}">
                 <a14:imgProps xmlns:a14="http://schemas.microsoft.com/office/drawing/2010/main">
-                  <a14:imgLayer r:embed="rId6">
+                  <a14:imgLayer r:embed="rId5">
                     <a14:imgEffect>
                       <a14:brightnessContrast bright="20000" contrast="40000"/>
                     </a14:imgEffect>
@@ -9641,7 +8517,9 @@
             </a:extLst>
           </a:blip>
           <a:srcRect/>
-          <a:stretch/>
+          <a:stretch>
+            <a:fillRect/>
+          </a:stretch>
         </p:blipFill>
         <p:spPr>
           <a:xfrm>
@@ -9668,24 +8546,18 @@
       </p:pic>
       <p:pic>
         <p:nvPicPr>
-          <p:cNvPr id="14" name="图片 13">
-            <a:extLst>
-              <a:ext uri="{FF2B5EF4-FFF2-40B4-BE49-F238E27FC236}">
-                <a16:creationId xmlns:a16="http://schemas.microsoft.com/office/drawing/2014/main" id="{080B76B8-469F-43BC-B517-B582EC873EBD}"/>
-              </a:ext>
-            </a:extLst>
-          </p:cNvPr>
+          <p:cNvPr id="14" name="图片 13"/>
           <p:cNvPicPr>
             <a:picLocks noChangeAspect="1"/>
           </p:cNvPicPr>
           <p:nvPr/>
         </p:nvPicPr>
         <p:blipFill rotWithShape="1">
-          <a:blip r:embed="rId7" cstate="print">
+          <a:blip r:embed="rId6" cstate="print">
             <a:extLst>
               <a:ext uri="{BEBA8EAE-BF5A-486C-A8C5-ECC9F3942E4B}">
                 <a14:imgProps xmlns:a14="http://schemas.microsoft.com/office/drawing/2010/main">
-                  <a14:imgLayer r:embed="rId8">
+                  <a14:imgLayer r:embed="rId7">
                     <a14:imgEffect>
                       <a14:sharpenSoften amount="50000"/>
                     </a14:imgEffect>
@@ -9698,7 +8570,9 @@
             </a:extLst>
           </a:blip>
           <a:srcRect b="-3323"/>
-          <a:stretch/>
+          <a:stretch>
+            <a:fillRect/>
+          </a:stretch>
         </p:blipFill>
         <p:spPr>
           <a:xfrm>
@@ -9722,15 +8596,8 @@
       </p:pic>
       <p:cxnSp>
         <p:nvCxnSpPr>
-          <p:cNvPr id="16" name="直接箭头连接符 15">
-            <a:extLst>
-              <a:ext uri="{FF2B5EF4-FFF2-40B4-BE49-F238E27FC236}">
-                <a16:creationId xmlns:a16="http://schemas.microsoft.com/office/drawing/2014/main" id="{36C7096C-5D66-44C2-B414-24750150D6E4}"/>
-              </a:ext>
-            </a:extLst>
-          </p:cNvPr>
+          <p:cNvPr id="16" name="直接箭头连接符 15"/>
           <p:cNvCxnSpPr>
-            <a:cxnSpLocks/>
             <a:stCxn id="50" idx="2"/>
             <a:endCxn id="14" idx="3"/>
           </p:cNvCxnSpPr>
@@ -9768,13 +8635,7 @@
       </p:cxnSp>
       <p:sp>
         <p:nvSpPr>
-          <p:cNvPr id="18" name="文本框 17">
-            <a:extLst>
-              <a:ext uri="{FF2B5EF4-FFF2-40B4-BE49-F238E27FC236}">
-                <a16:creationId xmlns:a16="http://schemas.microsoft.com/office/drawing/2014/main" id="{461083A5-BE53-484F-8A0F-6654491F9703}"/>
-              </a:ext>
-            </a:extLst>
-          </p:cNvPr>
+          <p:cNvPr id="18" name="文本框 17"/>
           <p:cNvSpPr txBox="1"/>
           <p:nvPr/>
         </p:nvSpPr>
@@ -9810,13 +8671,7 @@
       </p:sp>
       <p:sp>
         <p:nvSpPr>
-          <p:cNvPr id="19" name="文本框 18">
-            <a:extLst>
-              <a:ext uri="{FF2B5EF4-FFF2-40B4-BE49-F238E27FC236}">
-                <a16:creationId xmlns:a16="http://schemas.microsoft.com/office/drawing/2014/main" id="{204D4B0E-F81A-40A4-B6E0-698DF37E1AB6}"/>
-              </a:ext>
-            </a:extLst>
-          </p:cNvPr>
+          <p:cNvPr id="19" name="文本框 18"/>
           <p:cNvSpPr txBox="1"/>
           <p:nvPr/>
         </p:nvSpPr>
@@ -9852,13 +8707,7 @@
       </p:sp>
       <p:sp>
         <p:nvSpPr>
-          <p:cNvPr id="20" name="文本框 19">
-            <a:extLst>
-              <a:ext uri="{FF2B5EF4-FFF2-40B4-BE49-F238E27FC236}">
-                <a16:creationId xmlns:a16="http://schemas.microsoft.com/office/drawing/2014/main" id="{6F6CFCBD-DE23-48FC-A10F-729EA4B93DE7}"/>
-              </a:ext>
-            </a:extLst>
-          </p:cNvPr>
+          <p:cNvPr id="20" name="文本框 19"/>
           <p:cNvSpPr txBox="1"/>
           <p:nvPr/>
         </p:nvSpPr>
@@ -9894,13 +8743,7 @@
       </p:sp>
       <p:sp>
         <p:nvSpPr>
-          <p:cNvPr id="21" name="文本框 20">
-            <a:extLst>
-              <a:ext uri="{FF2B5EF4-FFF2-40B4-BE49-F238E27FC236}">
-                <a16:creationId xmlns:a16="http://schemas.microsoft.com/office/drawing/2014/main" id="{40ECACA4-51F0-454D-A888-6FBDBED03CF9}"/>
-              </a:ext>
-            </a:extLst>
-          </p:cNvPr>
+          <p:cNvPr id="21" name="文本框 20"/>
           <p:cNvSpPr txBox="1"/>
           <p:nvPr/>
         </p:nvSpPr>
@@ -9936,13 +8779,7 @@
       </p:sp>
       <p:sp>
         <p:nvSpPr>
-          <p:cNvPr id="22" name="文本框 21">
-            <a:extLst>
-              <a:ext uri="{FF2B5EF4-FFF2-40B4-BE49-F238E27FC236}">
-                <a16:creationId xmlns:a16="http://schemas.microsoft.com/office/drawing/2014/main" id="{DA47AC4F-6B5A-46B3-A2AE-B50DF3A96A4F}"/>
-              </a:ext>
-            </a:extLst>
-          </p:cNvPr>
+          <p:cNvPr id="22" name="文本框 21"/>
           <p:cNvSpPr txBox="1"/>
           <p:nvPr/>
         </p:nvSpPr>
@@ -9978,13 +8815,7 @@
       </p:sp>
       <p:sp>
         <p:nvSpPr>
-          <p:cNvPr id="23" name="文本框 22">
-            <a:extLst>
-              <a:ext uri="{FF2B5EF4-FFF2-40B4-BE49-F238E27FC236}">
-                <a16:creationId xmlns:a16="http://schemas.microsoft.com/office/drawing/2014/main" id="{26B23C58-BB56-4567-AB83-C135E61E7F41}"/>
-              </a:ext>
-            </a:extLst>
-          </p:cNvPr>
+          <p:cNvPr id="23" name="文本框 22"/>
           <p:cNvSpPr txBox="1"/>
           <p:nvPr/>
         </p:nvSpPr>
@@ -10020,13 +8851,7 @@
       </p:sp>
       <p:sp>
         <p:nvSpPr>
-          <p:cNvPr id="34" name="文本框 33">
-            <a:extLst>
-              <a:ext uri="{FF2B5EF4-FFF2-40B4-BE49-F238E27FC236}">
-                <a16:creationId xmlns:a16="http://schemas.microsoft.com/office/drawing/2014/main" id="{2C6393E4-14B0-4657-8990-D6D7B98AFEE0}"/>
-              </a:ext>
-            </a:extLst>
-          </p:cNvPr>
+          <p:cNvPr id="34" name="文本框 33"/>
           <p:cNvSpPr txBox="1"/>
           <p:nvPr/>
         </p:nvSpPr>
@@ -10076,13 +8901,47 @@
       </p:sp>
       <p:pic>
         <p:nvPicPr>
-          <p:cNvPr id="36" name="图片 35" descr="图片包含 游戏机&#10;&#10;描述已自动生成">
+          <p:cNvPr id="36" name="图片 35" descr="图片包含 游戏机&#10;&#10;描述已自动生成"/>
+          <p:cNvPicPr>
+            <a:picLocks noChangeAspect="1"/>
+          </p:cNvPicPr>
+          <p:nvPr/>
+        </p:nvPicPr>
+        <p:blipFill>
+          <a:blip r:embed="rId1">
             <a:extLst>
-              <a:ext uri="{FF2B5EF4-FFF2-40B4-BE49-F238E27FC236}">
-                <a16:creationId xmlns:a16="http://schemas.microsoft.com/office/drawing/2014/main" id="{A583493F-D20A-4C3E-B658-D1AA7AF8852F}"/>
+              <a:ext uri="{28A0092B-C50C-407E-A947-70E740481C1C}">
+                <a14:useLocalDpi xmlns:a14="http://schemas.microsoft.com/office/drawing/2010/main" val="0"/>
               </a:ext>
             </a:extLst>
-          </p:cNvPr>
+          </a:blip>
+          <a:stretch>
+            <a:fillRect/>
+          </a:stretch>
+        </p:blipFill>
+        <p:spPr>
+          <a:xfrm>
+            <a:off x="3471160" y="3096146"/>
+            <a:ext cx="746982" cy="746982"/>
+          </a:xfrm>
+          <a:prstGeom prst="rect">
+            <a:avLst/>
+          </a:prstGeom>
+          <a:ln>
+            <a:noFill/>
+          </a:ln>
+          <a:effectLst>
+            <a:outerShdw blurRad="292100" dist="139700" dir="2700000" algn="tl" rotWithShape="0">
+              <a:srgbClr val="333333">
+                <a:alpha val="65000"/>
+              </a:srgbClr>
+            </a:outerShdw>
+          </a:effectLst>
+        </p:spPr>
+      </p:pic>
+      <p:pic>
+        <p:nvPicPr>
+          <p:cNvPr id="37" name="图片 36" descr="图片包含 游戏机, 电子, 电路&#10;&#10;描述已自动生成"/>
           <p:cNvPicPr>
             <a:picLocks noChangeAspect="1"/>
           </p:cNvPicPr>
@@ -10102,52 +8961,6 @@
         </p:blipFill>
         <p:spPr>
           <a:xfrm>
-            <a:off x="3471160" y="3096146"/>
-            <a:ext cx="746982" cy="746982"/>
-          </a:xfrm>
-          <a:prstGeom prst="rect">
-            <a:avLst/>
-          </a:prstGeom>
-          <a:ln>
-            <a:noFill/>
-          </a:ln>
-          <a:effectLst>
-            <a:outerShdw blurRad="292100" dist="139700" dir="2700000" algn="tl" rotWithShape="0">
-              <a:srgbClr val="333333">
-                <a:alpha val="65000"/>
-              </a:srgbClr>
-            </a:outerShdw>
-          </a:effectLst>
-        </p:spPr>
-      </p:pic>
-      <p:pic>
-        <p:nvPicPr>
-          <p:cNvPr id="37" name="图片 36" descr="图片包含 游戏机, 电子, 电路&#10;&#10;描述已自动生成">
-            <a:extLst>
-              <a:ext uri="{FF2B5EF4-FFF2-40B4-BE49-F238E27FC236}">
-                <a16:creationId xmlns:a16="http://schemas.microsoft.com/office/drawing/2014/main" id="{F0711201-7BAE-4A31-9933-AB601A78C3FC}"/>
-              </a:ext>
-            </a:extLst>
-          </p:cNvPr>
-          <p:cNvPicPr>
-            <a:picLocks noChangeAspect="1"/>
-          </p:cNvPicPr>
-          <p:nvPr/>
-        </p:nvPicPr>
-        <p:blipFill>
-          <a:blip r:embed="rId3">
-            <a:extLst>
-              <a:ext uri="{28A0092B-C50C-407E-A947-70E740481C1C}">
-                <a14:useLocalDpi xmlns:a14="http://schemas.microsoft.com/office/drawing/2010/main" val="0"/>
-              </a:ext>
-            </a:extLst>
-          </a:blip>
-          <a:stretch>
-            <a:fillRect/>
-          </a:stretch>
-        </p:blipFill>
-        <p:spPr>
-          <a:xfrm>
             <a:off x="3400235" y="2189512"/>
             <a:ext cx="831559" cy="678413"/>
           </a:xfrm>
@@ -10171,24 +8984,18 @@
       </p:pic>
       <p:pic>
         <p:nvPicPr>
-          <p:cNvPr id="39" name="图片 38">
-            <a:extLst>
-              <a:ext uri="{FF2B5EF4-FFF2-40B4-BE49-F238E27FC236}">
-                <a16:creationId xmlns:a16="http://schemas.microsoft.com/office/drawing/2014/main" id="{6DA0E4FC-8BF2-4229-9E8D-485811A64015}"/>
-              </a:ext>
-            </a:extLst>
-          </p:cNvPr>
+          <p:cNvPr id="39" name="图片 38"/>
           <p:cNvPicPr>
             <a:picLocks noChangeAspect="1"/>
           </p:cNvPicPr>
           <p:nvPr/>
         </p:nvPicPr>
         <p:blipFill rotWithShape="1">
-          <a:blip r:embed="rId5" cstate="print">
+          <a:blip r:embed="rId4" cstate="print">
             <a:extLst>
               <a:ext uri="{BEBA8EAE-BF5A-486C-A8C5-ECC9F3942E4B}">
                 <a14:imgProps xmlns:a14="http://schemas.microsoft.com/office/drawing/2010/main">
-                  <a14:imgLayer r:embed="rId6">
+                  <a14:imgLayer r:embed="rId5">
                     <a14:imgEffect>
                       <a14:brightnessContrast bright="20000" contrast="40000"/>
                     </a14:imgEffect>
@@ -10201,7 +9008,9 @@
             </a:extLst>
           </a:blip>
           <a:srcRect/>
-          <a:stretch/>
+          <a:stretch>
+            <a:fillRect/>
+          </a:stretch>
         </p:blipFill>
         <p:spPr>
           <a:xfrm>
@@ -10228,16 +9037,8 @@
       </p:pic>
       <p:cxnSp>
         <p:nvCxnSpPr>
-          <p:cNvPr id="12" name="直接箭头连接符 11">
-            <a:extLst>
-              <a:ext uri="{FF2B5EF4-FFF2-40B4-BE49-F238E27FC236}">
-                <a16:creationId xmlns:a16="http://schemas.microsoft.com/office/drawing/2014/main" id="{1DE3C44E-0F66-4AC7-9612-122F1A78797A}"/>
-              </a:ext>
-            </a:extLst>
-          </p:cNvPr>
-          <p:cNvCxnSpPr>
-            <a:cxnSpLocks/>
-          </p:cNvCxnSpPr>
+          <p:cNvPr id="12" name="直接箭头连接符 11"/>
+          <p:cNvCxnSpPr/>
           <p:nvPr/>
         </p:nvCxnSpPr>
         <p:spPr>
@@ -10272,15 +9073,8 @@
       </p:cxnSp>
       <p:cxnSp>
         <p:nvCxnSpPr>
-          <p:cNvPr id="15" name="直接箭头连接符 14">
-            <a:extLst>
-              <a:ext uri="{FF2B5EF4-FFF2-40B4-BE49-F238E27FC236}">
-                <a16:creationId xmlns:a16="http://schemas.microsoft.com/office/drawing/2014/main" id="{5847266E-32EF-4604-950D-017D78D47879}"/>
-              </a:ext>
-            </a:extLst>
-          </p:cNvPr>
+          <p:cNvPr id="15" name="直接箭头连接符 14"/>
           <p:cNvCxnSpPr>
-            <a:cxnSpLocks/>
             <a:stCxn id="39" idx="2"/>
             <a:endCxn id="14" idx="1"/>
           </p:cNvCxnSpPr>
@@ -10318,15 +9112,8 @@
       </p:cxnSp>
       <p:cxnSp>
         <p:nvCxnSpPr>
-          <p:cNvPr id="40" name="直接箭头连接符 39">
-            <a:extLst>
-              <a:ext uri="{FF2B5EF4-FFF2-40B4-BE49-F238E27FC236}">
-                <a16:creationId xmlns:a16="http://schemas.microsoft.com/office/drawing/2014/main" id="{BD83B42F-CCE6-4AD6-85C8-0DFEA76C0203}"/>
-              </a:ext>
-            </a:extLst>
-          </p:cNvPr>
+          <p:cNvPr id="40" name="直接箭头连接符 39"/>
           <p:cNvCxnSpPr>
-            <a:cxnSpLocks/>
             <a:stCxn id="37" idx="3"/>
           </p:cNvCxnSpPr>
           <p:nvPr/>
@@ -10363,15 +9150,8 @@
       </p:cxnSp>
       <p:cxnSp>
         <p:nvCxnSpPr>
-          <p:cNvPr id="43" name="直接箭头连接符 42">
-            <a:extLst>
-              <a:ext uri="{FF2B5EF4-FFF2-40B4-BE49-F238E27FC236}">
-                <a16:creationId xmlns:a16="http://schemas.microsoft.com/office/drawing/2014/main" id="{B2647BED-EB55-4407-921D-C338BCD4943D}"/>
-              </a:ext>
-            </a:extLst>
-          </p:cNvPr>
+          <p:cNvPr id="43" name="直接箭头连接符 42"/>
           <p:cNvCxnSpPr>
-            <a:cxnSpLocks/>
             <a:endCxn id="37" idx="2"/>
           </p:cNvCxnSpPr>
           <p:nvPr/>
@@ -10408,24 +9188,18 @@
       </p:cxnSp>
       <p:pic>
         <p:nvPicPr>
-          <p:cNvPr id="47" name="图片 46">
-            <a:extLst>
-              <a:ext uri="{FF2B5EF4-FFF2-40B4-BE49-F238E27FC236}">
-                <a16:creationId xmlns:a16="http://schemas.microsoft.com/office/drawing/2014/main" id="{08C28A51-C55F-409B-B96F-217D20A25727}"/>
-              </a:ext>
-            </a:extLst>
-          </p:cNvPr>
+          <p:cNvPr id="47" name="图片 46"/>
           <p:cNvPicPr>
             <a:picLocks noChangeAspect="1"/>
           </p:cNvPicPr>
           <p:nvPr/>
         </p:nvPicPr>
         <p:blipFill rotWithShape="1">
-          <a:blip r:embed="rId5" cstate="print">
+          <a:blip r:embed="rId4" cstate="print">
             <a:extLst>
               <a:ext uri="{BEBA8EAE-BF5A-486C-A8C5-ECC9F3942E4B}">
                 <a14:imgProps xmlns:a14="http://schemas.microsoft.com/office/drawing/2010/main">
-                  <a14:imgLayer r:embed="rId6">
+                  <a14:imgLayer r:embed="rId5">
                     <a14:imgEffect>
                       <a14:brightnessContrast bright="20000" contrast="40000"/>
                     </a14:imgEffect>
@@ -10438,7 +9212,9 @@
             </a:extLst>
           </a:blip>
           <a:srcRect/>
-          <a:stretch/>
+          <a:stretch>
+            <a:fillRect/>
+          </a:stretch>
         </p:blipFill>
         <p:spPr>
           <a:xfrm>
@@ -10465,24 +9241,18 @@
       </p:pic>
       <p:pic>
         <p:nvPicPr>
-          <p:cNvPr id="50" name="图片 49">
-            <a:extLst>
-              <a:ext uri="{FF2B5EF4-FFF2-40B4-BE49-F238E27FC236}">
-                <a16:creationId xmlns:a16="http://schemas.microsoft.com/office/drawing/2014/main" id="{6DA200E1-7806-4137-BA2E-C707DD19972F}"/>
-              </a:ext>
-            </a:extLst>
-          </p:cNvPr>
+          <p:cNvPr id="50" name="图片 49"/>
           <p:cNvPicPr>
             <a:picLocks noChangeAspect="1"/>
           </p:cNvPicPr>
           <p:nvPr/>
         </p:nvPicPr>
         <p:blipFill rotWithShape="1">
-          <a:blip r:embed="rId5" cstate="print">
+          <a:blip r:embed="rId4" cstate="print">
             <a:extLst>
               <a:ext uri="{BEBA8EAE-BF5A-486C-A8C5-ECC9F3942E4B}">
                 <a14:imgProps xmlns:a14="http://schemas.microsoft.com/office/drawing/2010/main">
-                  <a14:imgLayer r:embed="rId6">
+                  <a14:imgLayer r:embed="rId5">
                     <a14:imgEffect>
                       <a14:brightnessContrast bright="20000" contrast="40000"/>
                     </a14:imgEffect>
@@ -10495,7 +9265,9 @@
             </a:extLst>
           </a:blip>
           <a:srcRect/>
-          <a:stretch/>
+          <a:stretch>
+            <a:fillRect/>
+          </a:stretch>
         </p:blipFill>
         <p:spPr>
           <a:xfrm>
@@ -10522,15 +9294,8 @@
       </p:pic>
       <p:cxnSp>
         <p:nvCxnSpPr>
-          <p:cNvPr id="52" name="直接箭头连接符 51">
-            <a:extLst>
-              <a:ext uri="{FF2B5EF4-FFF2-40B4-BE49-F238E27FC236}">
-                <a16:creationId xmlns:a16="http://schemas.microsoft.com/office/drawing/2014/main" id="{7FB5A355-2F61-487B-BFD9-C9DD1CBF863B}"/>
-              </a:ext>
-            </a:extLst>
-          </p:cNvPr>
+          <p:cNvPr id="52" name="直接箭头连接符 51"/>
           <p:cNvCxnSpPr>
-            <a:cxnSpLocks/>
             <a:stCxn id="49" idx="1"/>
           </p:cNvCxnSpPr>
           <p:nvPr/>
@@ -10567,16 +9332,8 @@
       </p:cxnSp>
       <p:cxnSp>
         <p:nvCxnSpPr>
-          <p:cNvPr id="10" name="直接箭头连接符 9">
-            <a:extLst>
-              <a:ext uri="{FF2B5EF4-FFF2-40B4-BE49-F238E27FC236}">
-                <a16:creationId xmlns:a16="http://schemas.microsoft.com/office/drawing/2014/main" id="{1FCBE7FA-879F-4270-832F-27D1C17CB3B5}"/>
-              </a:ext>
-            </a:extLst>
-          </p:cNvPr>
-          <p:cNvCxnSpPr>
-            <a:cxnSpLocks/>
-          </p:cNvCxnSpPr>
+          <p:cNvPr id="10" name="直接箭头连接符 9"/>
+          <p:cNvCxnSpPr/>
           <p:nvPr/>
         </p:nvCxnSpPr>
         <p:spPr>
@@ -10611,15 +9368,8 @@
       </p:cxnSp>
       <p:cxnSp>
         <p:nvCxnSpPr>
-          <p:cNvPr id="51" name="直接箭头连接符 50">
-            <a:extLst>
-              <a:ext uri="{FF2B5EF4-FFF2-40B4-BE49-F238E27FC236}">
-                <a16:creationId xmlns:a16="http://schemas.microsoft.com/office/drawing/2014/main" id="{CEB94709-45E2-4A01-AC97-0A903EC4F446}"/>
-              </a:ext>
-            </a:extLst>
-          </p:cNvPr>
+          <p:cNvPr id="51" name="直接箭头连接符 50"/>
           <p:cNvCxnSpPr>
-            <a:cxnSpLocks/>
             <a:stCxn id="48" idx="3"/>
           </p:cNvCxnSpPr>
           <p:nvPr/>
@@ -10656,13 +9406,7 @@
       </p:cxnSp>
       <p:sp>
         <p:nvSpPr>
-          <p:cNvPr id="75" name="矩形 74">
-            <a:extLst>
-              <a:ext uri="{FF2B5EF4-FFF2-40B4-BE49-F238E27FC236}">
-                <a16:creationId xmlns:a16="http://schemas.microsoft.com/office/drawing/2014/main" id="{BB2034D2-E847-4F56-A4C3-924D262975D8}"/>
-              </a:ext>
-            </a:extLst>
-          </p:cNvPr>
+          <p:cNvPr id="75" name="矩形 74"/>
           <p:cNvSpPr/>
           <p:nvPr/>
         </p:nvSpPr>
@@ -10709,15 +9453,8 @@
       </p:sp>
       <p:cxnSp>
         <p:nvCxnSpPr>
-          <p:cNvPr id="89" name="直接箭头连接符 88">
-            <a:extLst>
-              <a:ext uri="{FF2B5EF4-FFF2-40B4-BE49-F238E27FC236}">
-                <a16:creationId xmlns:a16="http://schemas.microsoft.com/office/drawing/2014/main" id="{42D92F8A-4634-4449-BD0B-5E294712AD04}"/>
-              </a:ext>
-            </a:extLst>
-          </p:cNvPr>
+          <p:cNvPr id="89" name="直接箭头连接符 88"/>
           <p:cNvCxnSpPr>
-            <a:cxnSpLocks/>
             <a:stCxn id="14" idx="2"/>
             <a:endCxn id="35" idx="0"/>
           </p:cNvCxnSpPr>
@@ -10754,11 +9491,6 @@
         </p:style>
       </p:cxnSp>
     </p:spTree>
-    <p:extLst>
-      <p:ext uri="{BB962C8B-B14F-4D97-AF65-F5344CB8AC3E}">
-        <p14:creationId xmlns:p14="http://schemas.microsoft.com/office/powerpoint/2010/main" val="3219903796"/>
-      </p:ext>
-    </p:extLst>
   </p:cSld>
   <p:clrMapOvr>
     <a:masterClrMapping/>
@@ -10809,7 +9541,7 @@
     </a:clrScheme>
     <a:fontScheme name="Office">
       <a:majorFont>
-        <a:latin typeface="等线 Light" panose="020F0302020204030204"/>
+        <a:latin typeface="等线 Light"/>
         <a:ea typeface=""/>
         <a:cs typeface=""/>
         <a:font script="Jpan" typeface="游ゴシック Light"/>
@@ -10842,26 +9574,9 @@
         <a:font script="Viet" typeface="Times New Roman"/>
         <a:font script="Uigh" typeface="Microsoft Uighur"/>
         <a:font script="Geor" typeface="Sylfaen"/>
-        <a:font script="Armn" typeface="Arial"/>
-        <a:font script="Bugi" typeface="Leelawadee UI"/>
-        <a:font script="Bopo" typeface="Microsoft JhengHei"/>
-        <a:font script="Java" typeface="Javanese Text"/>
-        <a:font script="Lisu" typeface="Segoe UI"/>
-        <a:font script="Mymr" typeface="Myanmar Text"/>
-        <a:font script="Nkoo" typeface="Ebrima"/>
-        <a:font script="Olck" typeface="Nirmala UI"/>
-        <a:font script="Osma" typeface="Ebrima"/>
-        <a:font script="Phag" typeface="Phagspa"/>
-        <a:font script="Syrn" typeface="Estrangelo Edessa"/>
-        <a:font script="Syrj" typeface="Estrangelo Edessa"/>
-        <a:font script="Syre" typeface="Estrangelo Edessa"/>
-        <a:font script="Sora" typeface="Nirmala UI"/>
-        <a:font script="Tale" typeface="Microsoft Tai Le"/>
-        <a:font script="Talu" typeface="Microsoft New Tai Lue"/>
-        <a:font script="Tfng" typeface="Ebrima"/>
       </a:majorFont>
       <a:minorFont>
-        <a:latin typeface="等线" panose="020F0502020204030204"/>
+        <a:latin typeface="等线"/>
         <a:ea typeface=""/>
         <a:cs typeface=""/>
         <a:font script="Jpan" typeface="游ゴシック"/>
@@ -10894,23 +9609,6 @@
         <a:font script="Viet" typeface="Arial"/>
         <a:font script="Uigh" typeface="Microsoft Uighur"/>
         <a:font script="Geor" typeface="Sylfaen"/>
-        <a:font script="Armn" typeface="Arial"/>
-        <a:font script="Bugi" typeface="Leelawadee UI"/>
-        <a:font script="Bopo" typeface="Microsoft JhengHei"/>
-        <a:font script="Java" typeface="Javanese Text"/>
-        <a:font script="Lisu" typeface="Segoe UI"/>
-        <a:font script="Mymr" typeface="Myanmar Text"/>
-        <a:font script="Nkoo" typeface="Ebrima"/>
-        <a:font script="Olck" typeface="Nirmala UI"/>
-        <a:font script="Osma" typeface="Ebrima"/>
-        <a:font script="Phag" typeface="Phagspa"/>
-        <a:font script="Syrn" typeface="Estrangelo Edessa"/>
-        <a:font script="Syrj" typeface="Estrangelo Edessa"/>
-        <a:font script="Syre" typeface="Estrangelo Edessa"/>
-        <a:font script="Sora" typeface="Nirmala UI"/>
-        <a:font script="Tale" typeface="Microsoft Tai Le"/>
-        <a:font script="Talu" typeface="Microsoft New Tai Lue"/>
-        <a:font script="Tfng" typeface="Ebrima"/>
       </a:minorFont>
     </a:fontScheme>
     <a:fmtScheme name="Office">
@@ -11051,8 +9749,6 @@
       </a:bgFillStyleLst>
     </a:fmtScheme>
   </a:themeElements>
-  <a:objectDefaults/>
-  <a:extraClrSchemeLst/>
   <a:extLst>
     <a:ext uri="{05A4C25C-085E-4340-85A3-A5531E510DB2}">
       <thm15:themeFamily xmlns:thm15="http://schemas.microsoft.com/office/thememl/2012/main" name="Office Theme" id="{62F939B6-93AF-4DB8-9C6B-D6C7DFDC589F}" vid="{4A3C46E8-61CC-4603-A589-7422A47A8E4A}"/>
